--- a/Project3_Securing-Recipe-Vaut-Web-Application/starter/DevOpsPipeline.pptx
+++ b/Project3_Securing-Recipe-Vaut-Web-Application/starter/DevOpsPipeline.pptx
@@ -1,19 +1,22 @@
 
 <file path=ppt/presentation.xml><?xml version="1.0" encoding="utf-8"?>
-<p:presentation xmlns:a="http://schemas.openxmlformats.org/drawingml/2006/main" xmlns:r="http://schemas.openxmlformats.org/officeDocument/2006/relationships" xmlns:mc="http://schemas.openxmlformats.org/markup-compatibility/2006" xmlns:mv="urn:schemas-microsoft-com:mac:vml" xmlns:p="http://schemas.openxmlformats.org/presentationml/2006/main" xmlns:c="http://schemas.openxmlformats.org/drawingml/2006/chart" xmlns:dgm="http://schemas.openxmlformats.org/drawingml/2006/diagram" xmlns:o="urn:schemas-microsoft-com:office:office" xmlns:v="urn:schemas-microsoft-com:vml" xmlns:pvml="urn:schemas-microsoft-com:office:powerpoint" xmlns:com="http://schemas.openxmlformats.org/drawingml/2006/compatibility" xmlns:p14="http://schemas.microsoft.com/office/powerpoint/2010/main" xmlns:p15="http://schemas.microsoft.com/office/powerpoint/2012/main" autoCompressPictures="0" strictFirstAndLastChars="0" saveSubsetFonts="1">
+<p:presentation xmlns:a="http://schemas.openxmlformats.org/drawingml/2006/main" xmlns:r="http://schemas.openxmlformats.org/officeDocument/2006/relationships" xmlns:p="http://schemas.openxmlformats.org/presentationml/2006/main" strictFirstAndLastChars="0" saveSubsetFonts="1" autoCompressPictures="0">
   <p:sldMasterIdLst>
-    <p:sldMasterId id="2147483659" r:id="rId4"/>
+    <p:sldMasterId id="2147483659" r:id="rId1"/>
   </p:sldMasterIdLst>
   <p:notesMasterIdLst>
-    <p:notesMasterId r:id="rId5"/>
+    <p:notesMasterId r:id="rId6"/>
   </p:notesMasterIdLst>
   <p:sldIdLst>
-    <p:sldId id="256" r:id="rId6"/>
+    <p:sldId id="258" r:id="rId2"/>
+    <p:sldId id="256" r:id="rId3"/>
+    <p:sldId id="259" r:id="rId4"/>
+    <p:sldId id="260" r:id="rId5"/>
   </p:sldIdLst>
-  <p:sldSz cy="5143500" cx="9144000"/>
+  <p:sldSz cx="9144000" cy="5143500" type="screen16x9"/>
   <p:notesSz cx="6858000" cy="9144000"/>
   <p:defaultTextStyle>
-    <a:defPPr lvl="0" marR="0" rtl="0" algn="l">
+    <a:defPPr marR="0" lvl="0" algn="l" rtl="0">
       <a:lnSpc>
         <a:spcPct val="100000"/>
       </a:lnSpc>
@@ -24,7 +27,7 @@
         <a:spcPts val="0"/>
       </a:spcAft>
     </a:defPPr>
-    <a:lvl1pPr lvl="0" marR="0" rtl="0" algn="l">
+    <a:lvl1pPr marR="0" lvl="0" algn="l" rtl="0">
       <a:lnSpc>
         <a:spcPct val="100000"/>
       </a:lnSpc>
@@ -38,7 +41,7 @@
         <a:srgbClr val="000000"/>
       </a:buClr>
       <a:buFont typeface="Arial"/>
-      <a:defRPr b="0" i="0" sz="1400" u="none" cap="none" strike="noStrike">
+      <a:defRPr sz="1400" b="0" i="0" u="none" strike="noStrike" cap="none">
         <a:solidFill>
           <a:srgbClr val="000000"/>
         </a:solidFill>
@@ -48,7 +51,7 @@
         <a:sym typeface="Arial"/>
       </a:defRPr>
     </a:lvl1pPr>
-    <a:lvl2pPr lvl="1" marR="0" rtl="0" algn="l">
+    <a:lvl2pPr marR="0" lvl="1" algn="l" rtl="0">
       <a:lnSpc>
         <a:spcPct val="100000"/>
       </a:lnSpc>
@@ -62,7 +65,7 @@
         <a:srgbClr val="000000"/>
       </a:buClr>
       <a:buFont typeface="Arial"/>
-      <a:defRPr b="0" i="0" sz="1400" u="none" cap="none" strike="noStrike">
+      <a:defRPr sz="1400" b="0" i="0" u="none" strike="noStrike" cap="none">
         <a:solidFill>
           <a:srgbClr val="000000"/>
         </a:solidFill>
@@ -72,7 +75,7 @@
         <a:sym typeface="Arial"/>
       </a:defRPr>
     </a:lvl2pPr>
-    <a:lvl3pPr lvl="2" marR="0" rtl="0" algn="l">
+    <a:lvl3pPr marR="0" lvl="2" algn="l" rtl="0">
       <a:lnSpc>
         <a:spcPct val="100000"/>
       </a:lnSpc>
@@ -86,7 +89,7 @@
         <a:srgbClr val="000000"/>
       </a:buClr>
       <a:buFont typeface="Arial"/>
-      <a:defRPr b="0" i="0" sz="1400" u="none" cap="none" strike="noStrike">
+      <a:defRPr sz="1400" b="0" i="0" u="none" strike="noStrike" cap="none">
         <a:solidFill>
           <a:srgbClr val="000000"/>
         </a:solidFill>
@@ -96,7 +99,7 @@
         <a:sym typeface="Arial"/>
       </a:defRPr>
     </a:lvl3pPr>
-    <a:lvl4pPr lvl="3" marR="0" rtl="0" algn="l">
+    <a:lvl4pPr marR="0" lvl="3" algn="l" rtl="0">
       <a:lnSpc>
         <a:spcPct val="100000"/>
       </a:lnSpc>
@@ -110,7 +113,7 @@
         <a:srgbClr val="000000"/>
       </a:buClr>
       <a:buFont typeface="Arial"/>
-      <a:defRPr b="0" i="0" sz="1400" u="none" cap="none" strike="noStrike">
+      <a:defRPr sz="1400" b="0" i="0" u="none" strike="noStrike" cap="none">
         <a:solidFill>
           <a:srgbClr val="000000"/>
         </a:solidFill>
@@ -120,7 +123,7 @@
         <a:sym typeface="Arial"/>
       </a:defRPr>
     </a:lvl4pPr>
-    <a:lvl5pPr lvl="4" marR="0" rtl="0" algn="l">
+    <a:lvl5pPr marR="0" lvl="4" algn="l" rtl="0">
       <a:lnSpc>
         <a:spcPct val="100000"/>
       </a:lnSpc>
@@ -134,7 +137,7 @@
         <a:srgbClr val="000000"/>
       </a:buClr>
       <a:buFont typeface="Arial"/>
-      <a:defRPr b="0" i="0" sz="1400" u="none" cap="none" strike="noStrike">
+      <a:defRPr sz="1400" b="0" i="0" u="none" strike="noStrike" cap="none">
         <a:solidFill>
           <a:srgbClr val="000000"/>
         </a:solidFill>
@@ -144,7 +147,7 @@
         <a:sym typeface="Arial"/>
       </a:defRPr>
     </a:lvl5pPr>
-    <a:lvl6pPr lvl="5" marR="0" rtl="0" algn="l">
+    <a:lvl6pPr marR="0" lvl="5" algn="l" rtl="0">
       <a:lnSpc>
         <a:spcPct val="100000"/>
       </a:lnSpc>
@@ -158,7 +161,7 @@
         <a:srgbClr val="000000"/>
       </a:buClr>
       <a:buFont typeface="Arial"/>
-      <a:defRPr b="0" i="0" sz="1400" u="none" cap="none" strike="noStrike">
+      <a:defRPr sz="1400" b="0" i="0" u="none" strike="noStrike" cap="none">
         <a:solidFill>
           <a:srgbClr val="000000"/>
         </a:solidFill>
@@ -168,7 +171,7 @@
         <a:sym typeface="Arial"/>
       </a:defRPr>
     </a:lvl6pPr>
-    <a:lvl7pPr lvl="6" marR="0" rtl="0" algn="l">
+    <a:lvl7pPr marR="0" lvl="6" algn="l" rtl="0">
       <a:lnSpc>
         <a:spcPct val="100000"/>
       </a:lnSpc>
@@ -182,7 +185,7 @@
         <a:srgbClr val="000000"/>
       </a:buClr>
       <a:buFont typeface="Arial"/>
-      <a:defRPr b="0" i="0" sz="1400" u="none" cap="none" strike="noStrike">
+      <a:defRPr sz="1400" b="0" i="0" u="none" strike="noStrike" cap="none">
         <a:solidFill>
           <a:srgbClr val="000000"/>
         </a:solidFill>
@@ -192,7 +195,7 @@
         <a:sym typeface="Arial"/>
       </a:defRPr>
     </a:lvl7pPr>
-    <a:lvl8pPr lvl="7" marR="0" rtl="0" algn="l">
+    <a:lvl8pPr marR="0" lvl="7" algn="l" rtl="0">
       <a:lnSpc>
         <a:spcPct val="100000"/>
       </a:lnSpc>
@@ -206,7 +209,7 @@
         <a:srgbClr val="000000"/>
       </a:buClr>
       <a:buFont typeface="Arial"/>
-      <a:defRPr b="0" i="0" sz="1400" u="none" cap="none" strike="noStrike">
+      <a:defRPr sz="1400" b="0" i="0" u="none" strike="noStrike" cap="none">
         <a:solidFill>
           <a:srgbClr val="000000"/>
         </a:solidFill>
@@ -216,7 +219,7 @@
         <a:sym typeface="Arial"/>
       </a:defRPr>
     </a:lvl8pPr>
-    <a:lvl9pPr lvl="8" marR="0" rtl="0" algn="l">
+    <a:lvl9pPr marR="0" lvl="8" algn="l" rtl="0">
       <a:lnSpc>
         <a:spcPct val="100000"/>
       </a:lnSpc>
@@ -230,7 +233,7 @@
         <a:srgbClr val="000000"/>
       </a:buClr>
       <a:buFont typeface="Arial"/>
-      <a:defRPr b="0" i="0" sz="1400" u="none" cap="none" strike="noStrike">
+      <a:defRPr sz="1400" b="0" i="0" u="none" strike="noStrike" cap="none">
         <a:solidFill>
           <a:srgbClr val="000000"/>
         </a:solidFill>
@@ -243,7 +246,7 @@
   </p:defaultTextStyle>
   <p:extLst>
     <p:ext uri="{EFAFB233-063F-42B5-8137-9DF3F51BA10A}">
-      <p15:sldGuideLst>
+      <p15:sldGuideLst xmlns:p15="http://schemas.microsoft.com/office/powerpoint/2012/main">
         <p15:guide id="1" orient="horz" pos="1620">
           <p15:clr>
             <a:srgbClr val="A4A3A4"/>
@@ -261,11 +264,16 @@
 </file>
 
 <file path=ppt/notesMasters/notesMaster1.xml><?xml version="1.0" encoding="utf-8"?>
-<p:notesMaster xmlns:a="http://schemas.openxmlformats.org/drawingml/2006/main" xmlns:r="http://schemas.openxmlformats.org/officeDocument/2006/relationships" xmlns:mc="http://schemas.openxmlformats.org/markup-compatibility/2006" xmlns:mv="urn:schemas-microsoft-com:mac:vml" xmlns:p="http://schemas.openxmlformats.org/presentationml/2006/main" xmlns:c="http://schemas.openxmlformats.org/drawingml/2006/chart" xmlns:dgm="http://schemas.openxmlformats.org/drawingml/2006/diagram" xmlns:o="urn:schemas-microsoft-com:office:office" xmlns:v="urn:schemas-microsoft-com:vml" xmlns:pvml="urn:schemas-microsoft-com:office:powerpoint" xmlns:com="http://schemas.openxmlformats.org/drawingml/2006/compatibility" xmlns:p14="http://schemas.microsoft.com/office/powerpoint/2010/main" xmlns:p15="http://schemas.microsoft.com/office/powerpoint/2012/main">
+<p:notesMaster xmlns:a="http://schemas.openxmlformats.org/drawingml/2006/main" xmlns:r="http://schemas.openxmlformats.org/officeDocument/2006/relationships" xmlns:p="http://schemas.openxmlformats.org/presentationml/2006/main">
   <p:cSld>
+    <p:bg>
+      <p:bgRef idx="1001">
+        <a:schemeClr val="bg1"/>
+      </p:bgRef>
+    </p:bg>
     <p:spTree>
       <p:nvGrpSpPr>
-        <p:cNvPr id="2" name="Shape 2"/>
+        <p:cNvPr id="1" name="Shape 2"/>
         <p:cNvGrpSpPr/>
         <p:nvPr/>
       </p:nvGrpSpPr>
@@ -280,9 +288,11 @@
       <p:sp>
         <p:nvSpPr>
           <p:cNvPr id="3" name="Google Shape;3;n"/>
-          <p:cNvSpPr/>
+          <p:cNvSpPr>
+            <a:spLocks noGrp="1" noRot="1" noChangeAspect="1"/>
+          </p:cNvSpPr>
           <p:nvPr>
-            <p:ph idx="2" type="sldImg"/>
+            <p:ph type="sldImg" idx="2"/>
           </p:nvPr>
         </p:nvSpPr>
         <p:spPr>
@@ -291,9 +301,13 @@
             <a:ext cx="6096075" cy="3429000"/>
           </a:xfrm>
           <a:custGeom>
-            <a:rect b="b" l="l" r="r" t="t"/>
+            <a:avLst/>
+            <a:gdLst/>
+            <a:ahLst/>
+            <a:cxnLst/>
+            <a:rect l="l" t="t" r="r" b="b"/>
             <a:pathLst>
-              <a:path extrusionOk="0" h="120000" w="120000">
+              <a:path w="120000" h="120000" extrusionOk="0">
                 <a:moveTo>
                   <a:pt x="0" y="0"/>
                 </a:moveTo>
@@ -311,23 +325,25 @@
             </a:pathLst>
           </a:custGeom>
           <a:noFill/>
-          <a:ln cap="flat" cmpd="sng" w="9525">
+          <a:ln w="9525" cap="flat" cmpd="sng">
             <a:solidFill>
               <a:srgbClr val="000000"/>
             </a:solidFill>
             <a:prstDash val="solid"/>
             <a:round/>
-            <a:headEnd len="sm" w="sm" type="none"/>
-            <a:tailEnd len="sm" w="sm" type="none"/>
+            <a:headEnd type="none" w="sm" len="sm"/>
+            <a:tailEnd type="none" w="sm" len="sm"/>
           </a:ln>
         </p:spPr>
       </p:sp>
       <p:sp>
         <p:nvSpPr>
           <p:cNvPr id="4" name="Google Shape;4;n"/>
-          <p:cNvSpPr txBox="1"/>
+          <p:cNvSpPr txBox="1">
+            <a:spLocks noGrp="1"/>
+          </p:cNvSpPr>
           <p:nvPr>
-            <p:ph idx="1" type="body"/>
+            <p:ph type="body" idx="1"/>
           </p:nvPr>
         </p:nvSpPr>
         <p:spPr>
@@ -344,11 +360,11 @@
           </a:ln>
         </p:spPr>
         <p:txBody>
-          <a:bodyPr anchorCtr="0" anchor="t" bIns="91425" lIns="91425" spcFirstLastPara="1" rIns="91425" wrap="square" tIns="91425">
+          <a:bodyPr spcFirstLastPara="1" wrap="square" lIns="91425" tIns="91425" rIns="91425" bIns="91425" anchor="t" anchorCtr="0">
             <a:noAutofit/>
           </a:bodyPr>
           <a:lstStyle>
-            <a:lvl1pPr indent="-298450" lvl="0" marL="457200">
+            <a:lvl1pPr marL="457200" lvl="0" indent="-298450">
               <a:spcBef>
                 <a:spcPts val="0"/>
               </a:spcBef>
@@ -359,7 +375,7 @@
               <a:buChar char="●"/>
               <a:defRPr sz="1100"/>
             </a:lvl1pPr>
-            <a:lvl2pPr indent="-298450" lvl="1" marL="914400">
+            <a:lvl2pPr marL="914400" lvl="1" indent="-298450">
               <a:spcBef>
                 <a:spcPts val="0"/>
               </a:spcBef>
@@ -370,7 +386,7 @@
               <a:buChar char="○"/>
               <a:defRPr sz="1100"/>
             </a:lvl2pPr>
-            <a:lvl3pPr indent="-298450" lvl="2" marL="1371600">
+            <a:lvl3pPr marL="1371600" lvl="2" indent="-298450">
               <a:spcBef>
                 <a:spcPts val="0"/>
               </a:spcBef>
@@ -381,7 +397,7 @@
               <a:buChar char="■"/>
               <a:defRPr sz="1100"/>
             </a:lvl3pPr>
-            <a:lvl4pPr indent="-298450" lvl="3" marL="1828800">
+            <a:lvl4pPr marL="1828800" lvl="3" indent="-298450">
               <a:spcBef>
                 <a:spcPts val="0"/>
               </a:spcBef>
@@ -392,7 +408,7 @@
               <a:buChar char="●"/>
               <a:defRPr sz="1100"/>
             </a:lvl4pPr>
-            <a:lvl5pPr indent="-298450" lvl="4" marL="2286000">
+            <a:lvl5pPr marL="2286000" lvl="4" indent="-298450">
               <a:spcBef>
                 <a:spcPts val="0"/>
               </a:spcBef>
@@ -403,7 +419,7 @@
               <a:buChar char="○"/>
               <a:defRPr sz="1100"/>
             </a:lvl5pPr>
-            <a:lvl6pPr indent="-298450" lvl="5" marL="2743200">
+            <a:lvl6pPr marL="2743200" lvl="5" indent="-298450">
               <a:spcBef>
                 <a:spcPts val="0"/>
               </a:spcBef>
@@ -414,7 +430,7 @@
               <a:buChar char="■"/>
               <a:defRPr sz="1100"/>
             </a:lvl6pPr>
-            <a:lvl7pPr indent="-298450" lvl="6" marL="3200400">
+            <a:lvl7pPr marL="3200400" lvl="6" indent="-298450">
               <a:spcBef>
                 <a:spcPts val="0"/>
               </a:spcBef>
@@ -425,7 +441,7 @@
               <a:buChar char="●"/>
               <a:defRPr sz="1100"/>
             </a:lvl7pPr>
-            <a:lvl8pPr indent="-298450" lvl="7" marL="3657600">
+            <a:lvl8pPr marL="3657600" lvl="7" indent="-298450">
               <a:spcBef>
                 <a:spcPts val="0"/>
               </a:spcBef>
@@ -436,7 +452,7 @@
               <a:buChar char="○"/>
               <a:defRPr sz="1100"/>
             </a:lvl8pPr>
-            <a:lvl9pPr indent="-298450" lvl="8" marL="4114800">
+            <a:lvl9pPr marL="4114800" lvl="8" indent="-298450">
               <a:spcBef>
                 <a:spcPts val="0"/>
               </a:spcBef>
@@ -448,14 +464,16 @@
               <a:defRPr sz="1100"/>
             </a:lvl9pPr>
           </a:lstStyle>
-          <a:p/>
+          <a:p>
+            <a:endParaRPr/>
+          </a:p>
         </p:txBody>
       </p:sp>
     </p:spTree>
   </p:cSld>
-  <p:clrMap accent1="accent1" accent2="accent2" accent3="accent3" accent4="accent4" accent5="accent5" accent6="accent6" bg1="lt1" bg2="dk2" tx1="dk1" tx2="lt2" folHlink="folHlink" hlink="hlink"/>
+  <p:clrMap bg1="lt1" tx1="dk1" bg2="dk2" tx2="lt2" accent1="accent1" accent2="accent2" accent3="accent3" accent4="accent4" accent5="accent5" accent6="accent6" hlink="hlink" folHlink="folHlink"/>
   <p:notesStyle>
-    <a:defPPr lvl="0" marR="0" rtl="0" algn="l">
+    <a:defPPr marR="0" lvl="0" algn="l" rtl="0">
       <a:lnSpc>
         <a:spcPct val="100000"/>
       </a:lnSpc>
@@ -466,7 +484,7 @@
         <a:spcPts val="0"/>
       </a:spcAft>
     </a:defPPr>
-    <a:lvl1pPr lvl="0" marR="0" rtl="0" algn="l">
+    <a:lvl1pPr marR="0" lvl="0" algn="l" rtl="0">
       <a:lnSpc>
         <a:spcPct val="100000"/>
       </a:lnSpc>
@@ -480,7 +498,7 @@
         <a:srgbClr val="000000"/>
       </a:buClr>
       <a:buFont typeface="Arial"/>
-      <a:defRPr b="0" i="0" sz="1400" u="none" cap="none" strike="noStrike">
+      <a:defRPr sz="1400" b="0" i="0" u="none" strike="noStrike" cap="none">
         <a:solidFill>
           <a:srgbClr val="000000"/>
         </a:solidFill>
@@ -490,7 +508,7 @@
         <a:sym typeface="Arial"/>
       </a:defRPr>
     </a:lvl1pPr>
-    <a:lvl2pPr lvl="1" marR="0" rtl="0" algn="l">
+    <a:lvl2pPr marR="0" lvl="1" algn="l" rtl="0">
       <a:lnSpc>
         <a:spcPct val="100000"/>
       </a:lnSpc>
@@ -504,7 +522,7 @@
         <a:srgbClr val="000000"/>
       </a:buClr>
       <a:buFont typeface="Arial"/>
-      <a:defRPr b="0" i="0" sz="1400" u="none" cap="none" strike="noStrike">
+      <a:defRPr sz="1400" b="0" i="0" u="none" strike="noStrike" cap="none">
         <a:solidFill>
           <a:srgbClr val="000000"/>
         </a:solidFill>
@@ -514,7 +532,7 @@
         <a:sym typeface="Arial"/>
       </a:defRPr>
     </a:lvl2pPr>
-    <a:lvl3pPr lvl="2" marR="0" rtl="0" algn="l">
+    <a:lvl3pPr marR="0" lvl="2" algn="l" rtl="0">
       <a:lnSpc>
         <a:spcPct val="100000"/>
       </a:lnSpc>
@@ -528,7 +546,7 @@
         <a:srgbClr val="000000"/>
       </a:buClr>
       <a:buFont typeface="Arial"/>
-      <a:defRPr b="0" i="0" sz="1400" u="none" cap="none" strike="noStrike">
+      <a:defRPr sz="1400" b="0" i="0" u="none" strike="noStrike" cap="none">
         <a:solidFill>
           <a:srgbClr val="000000"/>
         </a:solidFill>
@@ -538,7 +556,7 @@
         <a:sym typeface="Arial"/>
       </a:defRPr>
     </a:lvl3pPr>
-    <a:lvl4pPr lvl="3" marR="0" rtl="0" algn="l">
+    <a:lvl4pPr marR="0" lvl="3" algn="l" rtl="0">
       <a:lnSpc>
         <a:spcPct val="100000"/>
       </a:lnSpc>
@@ -552,7 +570,7 @@
         <a:srgbClr val="000000"/>
       </a:buClr>
       <a:buFont typeface="Arial"/>
-      <a:defRPr b="0" i="0" sz="1400" u="none" cap="none" strike="noStrike">
+      <a:defRPr sz="1400" b="0" i="0" u="none" strike="noStrike" cap="none">
         <a:solidFill>
           <a:srgbClr val="000000"/>
         </a:solidFill>
@@ -562,7 +580,7 @@
         <a:sym typeface="Arial"/>
       </a:defRPr>
     </a:lvl4pPr>
-    <a:lvl5pPr lvl="4" marR="0" rtl="0" algn="l">
+    <a:lvl5pPr marR="0" lvl="4" algn="l" rtl="0">
       <a:lnSpc>
         <a:spcPct val="100000"/>
       </a:lnSpc>
@@ -576,7 +594,7 @@
         <a:srgbClr val="000000"/>
       </a:buClr>
       <a:buFont typeface="Arial"/>
-      <a:defRPr b="0" i="0" sz="1400" u="none" cap="none" strike="noStrike">
+      <a:defRPr sz="1400" b="0" i="0" u="none" strike="noStrike" cap="none">
         <a:solidFill>
           <a:srgbClr val="000000"/>
         </a:solidFill>
@@ -586,7 +604,7 @@
         <a:sym typeface="Arial"/>
       </a:defRPr>
     </a:lvl5pPr>
-    <a:lvl6pPr lvl="5" marR="0" rtl="0" algn="l">
+    <a:lvl6pPr marR="0" lvl="5" algn="l" rtl="0">
       <a:lnSpc>
         <a:spcPct val="100000"/>
       </a:lnSpc>
@@ -600,7 +618,7 @@
         <a:srgbClr val="000000"/>
       </a:buClr>
       <a:buFont typeface="Arial"/>
-      <a:defRPr b="0" i="0" sz="1400" u="none" cap="none" strike="noStrike">
+      <a:defRPr sz="1400" b="0" i="0" u="none" strike="noStrike" cap="none">
         <a:solidFill>
           <a:srgbClr val="000000"/>
         </a:solidFill>
@@ -610,7 +628,7 @@
         <a:sym typeface="Arial"/>
       </a:defRPr>
     </a:lvl6pPr>
-    <a:lvl7pPr lvl="6" marR="0" rtl="0" algn="l">
+    <a:lvl7pPr marR="0" lvl="6" algn="l" rtl="0">
       <a:lnSpc>
         <a:spcPct val="100000"/>
       </a:lnSpc>
@@ -624,7 +642,7 @@
         <a:srgbClr val="000000"/>
       </a:buClr>
       <a:buFont typeface="Arial"/>
-      <a:defRPr b="0" i="0" sz="1400" u="none" cap="none" strike="noStrike">
+      <a:defRPr sz="1400" b="0" i="0" u="none" strike="noStrike" cap="none">
         <a:solidFill>
           <a:srgbClr val="000000"/>
         </a:solidFill>
@@ -634,7 +652,7 @@
         <a:sym typeface="Arial"/>
       </a:defRPr>
     </a:lvl7pPr>
-    <a:lvl8pPr lvl="7" marR="0" rtl="0" algn="l">
+    <a:lvl8pPr marR="0" lvl="7" algn="l" rtl="0">
       <a:lnSpc>
         <a:spcPct val="100000"/>
       </a:lnSpc>
@@ -648,7 +666,7 @@
         <a:srgbClr val="000000"/>
       </a:buClr>
       <a:buFont typeface="Arial"/>
-      <a:defRPr b="0" i="0" sz="1400" u="none" cap="none" strike="noStrike">
+      <a:defRPr sz="1400" b="0" i="0" u="none" strike="noStrike" cap="none">
         <a:solidFill>
           <a:srgbClr val="000000"/>
         </a:solidFill>
@@ -658,7 +676,7 @@
         <a:sym typeface="Arial"/>
       </a:defRPr>
     </a:lvl8pPr>
-    <a:lvl9pPr lvl="8" marR="0" rtl="0" algn="l">
+    <a:lvl9pPr marR="0" lvl="8" algn="l" rtl="0">
       <a:lnSpc>
         <a:spcPct val="100000"/>
       </a:lnSpc>
@@ -672,7 +690,7 @@
         <a:srgbClr val="000000"/>
       </a:buClr>
       <a:buFont typeface="Arial"/>
-      <a:defRPr b="0" i="0" sz="1400" u="none" cap="none" strike="noStrike">
+      <a:defRPr sz="1400" b="0" i="0" u="none" strike="noStrike" cap="none">
         <a:solidFill>
           <a:srgbClr val="000000"/>
         </a:solidFill>
@@ -687,11 +705,11 @@
 </file>
 
 <file path=ppt/notesSlides/notesSlide1.xml><?xml version="1.0" encoding="utf-8"?>
-<p:notes xmlns:a="http://schemas.openxmlformats.org/drawingml/2006/main" xmlns:r="http://schemas.openxmlformats.org/officeDocument/2006/relationships" xmlns:mc="http://schemas.openxmlformats.org/markup-compatibility/2006" xmlns:mv="urn:schemas-microsoft-com:mac:vml" xmlns:p="http://schemas.openxmlformats.org/presentationml/2006/main" xmlns:c="http://schemas.openxmlformats.org/drawingml/2006/chart" xmlns:dgm="http://schemas.openxmlformats.org/drawingml/2006/diagram" xmlns:o="urn:schemas-microsoft-com:office:office" xmlns:v="urn:schemas-microsoft-com:vml" xmlns:pvml="urn:schemas-microsoft-com:office:powerpoint" xmlns:com="http://schemas.openxmlformats.org/drawingml/2006/compatibility" xmlns:p14="http://schemas.microsoft.com/office/powerpoint/2010/main" xmlns:p15="http://schemas.microsoft.com/office/powerpoint/2012/main" showMasterPhAnim="0" showMasterSp="0">
+<p:notes xmlns:a="http://schemas.openxmlformats.org/drawingml/2006/main" xmlns:r="http://schemas.openxmlformats.org/officeDocument/2006/relationships" xmlns:p="http://schemas.openxmlformats.org/presentationml/2006/main" showMasterSp="0" showMasterPhAnim="0">
   <p:cSld>
     <p:spTree>
       <p:nvGrpSpPr>
-        <p:cNvPr id="50" name="Shape 50"/>
+        <p:cNvPr id="1" name="Shape 50"/>
         <p:cNvGrpSpPr/>
         <p:nvPr/>
       </p:nvGrpSpPr>
@@ -706,20 +724,26 @@
       <p:sp>
         <p:nvSpPr>
           <p:cNvPr id="51" name="Google Shape;51;p:notes"/>
-          <p:cNvSpPr/>
+          <p:cNvSpPr>
+            <a:spLocks noGrp="1" noRot="1" noChangeAspect="1"/>
+          </p:cNvSpPr>
           <p:nvPr>
-            <p:ph idx="2" type="sldImg"/>
+            <p:ph type="sldImg" idx="2"/>
           </p:nvPr>
         </p:nvSpPr>
         <p:spPr>
           <a:xfrm>
-            <a:off x="381300" y="685800"/>
-            <a:ext cx="6096075" cy="3429000"/>
+            <a:off x="381000" y="685800"/>
+            <a:ext cx="6096000" cy="3429000"/>
           </a:xfrm>
           <a:custGeom>
-            <a:rect b="b" l="l" r="r" t="t"/>
+            <a:avLst/>
+            <a:gdLst/>
+            <a:ahLst/>
+            <a:cxnLst/>
+            <a:rect l="l" t="t" r="r" b="b"/>
             <a:pathLst>
-              <a:path extrusionOk="0" h="120000" w="120000">
+              <a:path w="120000" h="120000" extrusionOk="0">
                 <a:moveTo>
                   <a:pt x="0" y="0"/>
                 </a:moveTo>
@@ -741,9 +765,11 @@
       <p:sp>
         <p:nvSpPr>
           <p:cNvPr id="52" name="Google Shape;52;p:notes"/>
-          <p:cNvSpPr txBox="1"/>
+          <p:cNvSpPr txBox="1">
+            <a:spLocks noGrp="1"/>
+          </p:cNvSpPr>
           <p:nvPr>
-            <p:ph idx="1" type="body"/>
+            <p:ph type="body" idx="1"/>
           </p:nvPr>
         </p:nvSpPr>
         <p:spPr>
@@ -756,12 +782,12 @@
           </a:prstGeom>
         </p:spPr>
         <p:txBody>
-          <a:bodyPr anchorCtr="0" anchor="t" bIns="91425" lIns="91425" spcFirstLastPara="1" rIns="91425" wrap="square" tIns="91425">
+          <a:bodyPr spcFirstLastPara="1" wrap="square" lIns="91425" tIns="91425" rIns="91425" bIns="91425" anchor="t" anchorCtr="0">
             <a:noAutofit/>
           </a:bodyPr>
           <a:lstStyle/>
           <a:p>
-            <a:pPr indent="0" lvl="0" marL="0" rtl="0" algn="l">
+            <a:pPr marL="0" lvl="0" indent="0" algn="l" rtl="0">
               <a:spcBef>
                 <a:spcPts val="0"/>
               </a:spcBef>
@@ -770,9 +796,6 @@
               </a:spcAft>
               <a:buNone/>
             </a:pPr>
-            <a:r>
-              <a:t/>
-            </a:r>
             <a:endParaRPr/>
           </a:p>
         </p:txBody>
@@ -785,12 +808,78 @@
 </p:notes>
 </file>
 
+<file path=ppt/notesSlides/notesSlide2.xml><?xml version="1.0" encoding="utf-8"?>
+<p:notes xmlns:a="http://schemas.openxmlformats.org/drawingml/2006/main" xmlns:r="http://schemas.openxmlformats.org/officeDocument/2006/relationships" xmlns:p="http://schemas.openxmlformats.org/presentationml/2006/main">
+  <p:cSld>
+    <p:spTree>
+      <p:nvGrpSpPr>
+        <p:cNvPr id="1" name=""/>
+        <p:cNvGrpSpPr/>
+        <p:nvPr/>
+      </p:nvGrpSpPr>
+      <p:grpSpPr>
+        <a:xfrm>
+          <a:off x="0" y="0"/>
+          <a:ext cx="0" cy="0"/>
+          <a:chOff x="0" y="0"/>
+          <a:chExt cx="0" cy="0"/>
+        </a:xfrm>
+      </p:grpSpPr>
+      <p:sp>
+        <p:nvSpPr>
+          <p:cNvPr id="2" name="Slide Image Placeholder 1"/>
+          <p:cNvSpPr>
+            <a:spLocks noGrp="1" noRot="1" noChangeAspect="1"/>
+          </p:cNvSpPr>
+          <p:nvPr>
+            <p:ph type="sldImg"/>
+          </p:nvPr>
+        </p:nvSpPr>
+        <p:spPr>
+          <a:xfrm>
+            <a:off x="381000" y="685800"/>
+            <a:ext cx="6096000" cy="3429000"/>
+          </a:xfrm>
+        </p:spPr>
+      </p:sp>
+      <p:sp>
+        <p:nvSpPr>
+          <p:cNvPr id="3" name="Notes Placeholder 2"/>
+          <p:cNvSpPr>
+            <a:spLocks noGrp="1"/>
+          </p:cNvSpPr>
+          <p:nvPr>
+            <p:ph type="body" idx="1"/>
+          </p:nvPr>
+        </p:nvSpPr>
+        <p:spPr/>
+        <p:txBody>
+          <a:bodyPr/>
+          <a:lstStyle/>
+          <a:p>
+            <a:endParaRPr lang="en-IN" dirty="0"/>
+          </a:p>
+        </p:txBody>
+      </p:sp>
+    </p:spTree>
+    <p:extLst>
+      <p:ext uri="{BB962C8B-B14F-4D97-AF65-F5344CB8AC3E}">
+        <p14:creationId xmlns:p14="http://schemas.microsoft.com/office/powerpoint/2010/main" val="3984307541"/>
+      </p:ext>
+    </p:extLst>
+  </p:cSld>
+  <p:clrMapOvr>
+    <a:masterClrMapping/>
+  </p:clrMapOvr>
+</p:notes>
+</file>
+
 <file path=ppt/slideLayouts/slideLayout1.xml><?xml version="1.0" encoding="utf-8"?>
-<p:sldLayout xmlns:a="http://schemas.openxmlformats.org/drawingml/2006/main" xmlns:r="http://schemas.openxmlformats.org/officeDocument/2006/relationships" xmlns:mc="http://schemas.openxmlformats.org/markup-compatibility/2006" xmlns:mv="urn:schemas-microsoft-com:mac:vml" xmlns:p="http://schemas.openxmlformats.org/presentationml/2006/main" xmlns:c="http://schemas.openxmlformats.org/drawingml/2006/chart" xmlns:dgm="http://schemas.openxmlformats.org/drawingml/2006/diagram" xmlns:o="urn:schemas-microsoft-com:office:office" xmlns:v="urn:schemas-microsoft-com:vml" xmlns:pvml="urn:schemas-microsoft-com:office:powerpoint" xmlns:com="http://schemas.openxmlformats.org/drawingml/2006/compatibility" xmlns:p14="http://schemas.microsoft.com/office/powerpoint/2010/main" xmlns:p15="http://schemas.microsoft.com/office/powerpoint/2012/main" matchingName="Title slide" type="title">
+<p:sldLayout xmlns:a="http://schemas.openxmlformats.org/drawingml/2006/main" xmlns:r="http://schemas.openxmlformats.org/officeDocument/2006/relationships" xmlns:p="http://schemas.openxmlformats.org/presentationml/2006/main" matchingName="Title slide" type="title">
   <p:cSld name="TITLE">
     <p:spTree>
       <p:nvGrpSpPr>
-        <p:cNvPr id="9" name="Shape 9"/>
+        <p:cNvPr id="1" name="Shape 9"/>
         <p:cNvGrpSpPr/>
         <p:nvPr/>
       </p:nvGrpSpPr>
@@ -805,7 +894,9 @@
       <p:sp>
         <p:nvSpPr>
           <p:cNvPr id="10" name="Google Shape;10;p2"/>
-          <p:cNvSpPr txBox="1"/>
+          <p:cNvSpPr txBox="1">
+            <a:spLocks noGrp="1"/>
+          </p:cNvSpPr>
           <p:nvPr>
             <p:ph type="ctrTitle"/>
           </p:nvPr>
@@ -820,7 +911,7 @@
           </a:prstGeom>
         </p:spPr>
         <p:txBody>
-          <a:bodyPr anchorCtr="0" anchor="b" bIns="91425" lIns="91425" spcFirstLastPara="1" rIns="91425" wrap="square" tIns="91425">
+          <a:bodyPr spcFirstLastPara="1" wrap="square" lIns="91425" tIns="91425" rIns="91425" bIns="91425" anchor="b" anchorCtr="0">
             <a:noAutofit/>
           </a:bodyPr>
           <a:lstStyle>
@@ -924,15 +1015,19 @@
               <a:defRPr sz="5200"/>
             </a:lvl9pPr>
           </a:lstStyle>
-          <a:p/>
+          <a:p>
+            <a:endParaRPr/>
+          </a:p>
         </p:txBody>
       </p:sp>
       <p:sp>
         <p:nvSpPr>
           <p:cNvPr id="11" name="Google Shape;11;p2"/>
-          <p:cNvSpPr txBox="1"/>
+          <p:cNvSpPr txBox="1">
+            <a:spLocks noGrp="1"/>
+          </p:cNvSpPr>
           <p:nvPr>
-            <p:ph idx="1" type="subTitle"/>
+            <p:ph type="subTitle" idx="1"/>
           </p:nvPr>
         </p:nvSpPr>
         <p:spPr>
@@ -945,7 +1040,7 @@
           </a:prstGeom>
         </p:spPr>
         <p:txBody>
-          <a:bodyPr anchorCtr="0" anchor="t" bIns="91425" lIns="91425" spcFirstLastPara="1" rIns="91425" wrap="square" tIns="91425">
+          <a:bodyPr spcFirstLastPara="1" wrap="square" lIns="91425" tIns="91425" rIns="91425" bIns="91425" anchor="t" anchorCtr="0">
             <a:noAutofit/>
           </a:bodyPr>
           <a:lstStyle>
@@ -1076,15 +1171,19 @@
               <a:defRPr sz="2800"/>
             </a:lvl9pPr>
           </a:lstStyle>
-          <a:p/>
+          <a:p>
+            <a:endParaRPr/>
+          </a:p>
         </p:txBody>
       </p:sp>
       <p:sp>
         <p:nvSpPr>
           <p:cNvPr id="12" name="Google Shape;12;p2"/>
-          <p:cNvSpPr txBox="1"/>
+          <p:cNvSpPr txBox="1">
+            <a:spLocks noGrp="1"/>
+          </p:cNvSpPr>
           <p:nvPr>
-            <p:ph idx="12" type="sldNum"/>
+            <p:ph type="sldNum" idx="12"/>
           </p:nvPr>
         </p:nvSpPr>
         <p:spPr>
@@ -1097,7 +1196,7 @@
           </a:prstGeom>
         </p:spPr>
         <p:txBody>
-          <a:bodyPr anchorCtr="0" anchor="ctr" bIns="91425" lIns="91425" spcFirstLastPara="1" rIns="91425" wrap="square" tIns="91425">
+          <a:bodyPr spcFirstLastPara="1" wrap="square" lIns="91425" tIns="91425" rIns="91425" bIns="91425" anchor="ctr" anchorCtr="0">
             <a:noAutofit/>
           </a:bodyPr>
           <a:lstStyle>
@@ -1139,7 +1238,7 @@
             </a:lvl9pPr>
           </a:lstStyle>
           <a:p>
-            <a:pPr indent="0" lvl="0" marL="0" rtl="0" algn="r">
+            <a:pPr marL="0" lvl="0" indent="0" algn="r" rtl="0">
               <a:spcBef>
                 <a:spcPts val="0"/>
               </a:spcBef>
@@ -1165,11 +1264,11 @@
 </file>
 
 <file path=ppt/slideLayouts/slideLayout10.xml><?xml version="1.0" encoding="utf-8"?>
-<p:sldLayout xmlns:a="http://schemas.openxmlformats.org/drawingml/2006/main" xmlns:r="http://schemas.openxmlformats.org/officeDocument/2006/relationships" xmlns:mc="http://schemas.openxmlformats.org/markup-compatibility/2006" xmlns:mv="urn:schemas-microsoft-com:mac:vml" xmlns:p="http://schemas.openxmlformats.org/presentationml/2006/main" xmlns:c="http://schemas.openxmlformats.org/drawingml/2006/chart" xmlns:dgm="http://schemas.openxmlformats.org/drawingml/2006/diagram" xmlns:o="urn:schemas-microsoft-com:office:office" xmlns:v="urn:schemas-microsoft-com:vml" xmlns:pvml="urn:schemas-microsoft-com:office:powerpoint" xmlns:com="http://schemas.openxmlformats.org/drawingml/2006/compatibility" xmlns:p14="http://schemas.microsoft.com/office/powerpoint/2010/main" xmlns:p15="http://schemas.microsoft.com/office/powerpoint/2012/main" matchingName="Big number">
+<p:sldLayout xmlns:a="http://schemas.openxmlformats.org/drawingml/2006/main" xmlns:r="http://schemas.openxmlformats.org/officeDocument/2006/relationships" xmlns:p="http://schemas.openxmlformats.org/presentationml/2006/main" matchingName="Big number">
   <p:cSld name="BIG_NUMBER">
     <p:spTree>
       <p:nvGrpSpPr>
-        <p:cNvPr id="44" name="Shape 44"/>
+        <p:cNvPr id="1" name="Shape 44"/>
         <p:cNvGrpSpPr/>
         <p:nvPr/>
       </p:nvGrpSpPr>
@@ -1184,9 +1283,11 @@
       <p:sp>
         <p:nvSpPr>
           <p:cNvPr id="45" name="Google Shape;45;p11"/>
-          <p:cNvSpPr txBox="1"/>
+          <p:cNvSpPr txBox="1">
+            <a:spLocks noGrp="1"/>
+          </p:cNvSpPr>
           <p:nvPr>
-            <p:ph hasCustomPrompt="1" type="title"/>
+            <p:ph type="title" hasCustomPrompt="1"/>
           </p:nvPr>
         </p:nvSpPr>
         <p:spPr>
@@ -1199,7 +1300,7 @@
           </a:prstGeom>
         </p:spPr>
         <p:txBody>
-          <a:bodyPr anchorCtr="0" anchor="b" bIns="91425" lIns="91425" spcFirstLastPara="1" rIns="91425" wrap="square" tIns="91425">
+          <a:bodyPr spcFirstLastPara="1" wrap="square" lIns="91425" tIns="91425" rIns="91425" bIns="91425" anchor="b" anchorCtr="0">
             <a:noAutofit/>
           </a:bodyPr>
           <a:lstStyle>
@@ -1313,9 +1414,11 @@
       <p:sp>
         <p:nvSpPr>
           <p:cNvPr id="46" name="Google Shape;46;p11"/>
-          <p:cNvSpPr txBox="1"/>
+          <p:cNvSpPr txBox="1">
+            <a:spLocks noGrp="1"/>
+          </p:cNvSpPr>
           <p:nvPr>
-            <p:ph idx="1" type="body"/>
+            <p:ph type="body" idx="1"/>
           </p:nvPr>
         </p:nvSpPr>
         <p:spPr>
@@ -1328,11 +1431,11 @@
           </a:prstGeom>
         </p:spPr>
         <p:txBody>
-          <a:bodyPr anchorCtr="0" anchor="t" bIns="91425" lIns="91425" spcFirstLastPara="1" rIns="91425" wrap="square" tIns="91425">
+          <a:bodyPr spcFirstLastPara="1" wrap="square" lIns="91425" tIns="91425" rIns="91425" bIns="91425" anchor="t" anchorCtr="0">
             <a:noAutofit/>
           </a:bodyPr>
           <a:lstStyle>
-            <a:lvl1pPr indent="-342900" lvl="0" marL="457200" algn="ctr">
+            <a:lvl1pPr marL="457200" lvl="0" indent="-342900" algn="ctr">
               <a:spcBef>
                 <a:spcPts val="0"/>
               </a:spcBef>
@@ -1343,7 +1446,7 @@
               <a:buChar char="●"/>
               <a:defRPr/>
             </a:lvl1pPr>
-            <a:lvl2pPr indent="-317500" lvl="1" marL="914400" algn="ctr">
+            <a:lvl2pPr marL="914400" lvl="1" indent="-317500" algn="ctr">
               <a:spcBef>
                 <a:spcPts val="1600"/>
               </a:spcBef>
@@ -1354,7 +1457,7 @@
               <a:buChar char="○"/>
               <a:defRPr/>
             </a:lvl2pPr>
-            <a:lvl3pPr indent="-317500" lvl="2" marL="1371600" algn="ctr">
+            <a:lvl3pPr marL="1371600" lvl="2" indent="-317500" algn="ctr">
               <a:spcBef>
                 <a:spcPts val="1600"/>
               </a:spcBef>
@@ -1365,7 +1468,7 @@
               <a:buChar char="■"/>
               <a:defRPr/>
             </a:lvl3pPr>
-            <a:lvl4pPr indent="-317500" lvl="3" marL="1828800" algn="ctr">
+            <a:lvl4pPr marL="1828800" lvl="3" indent="-317500" algn="ctr">
               <a:spcBef>
                 <a:spcPts val="1600"/>
               </a:spcBef>
@@ -1376,7 +1479,7 @@
               <a:buChar char="●"/>
               <a:defRPr/>
             </a:lvl4pPr>
-            <a:lvl5pPr indent="-317500" lvl="4" marL="2286000" algn="ctr">
+            <a:lvl5pPr marL="2286000" lvl="4" indent="-317500" algn="ctr">
               <a:spcBef>
                 <a:spcPts val="1600"/>
               </a:spcBef>
@@ -1387,7 +1490,7 @@
               <a:buChar char="○"/>
               <a:defRPr/>
             </a:lvl5pPr>
-            <a:lvl6pPr indent="-317500" lvl="5" marL="2743200" algn="ctr">
+            <a:lvl6pPr marL="2743200" lvl="5" indent="-317500" algn="ctr">
               <a:spcBef>
                 <a:spcPts val="1600"/>
               </a:spcBef>
@@ -1398,7 +1501,7 @@
               <a:buChar char="■"/>
               <a:defRPr/>
             </a:lvl6pPr>
-            <a:lvl7pPr indent="-317500" lvl="6" marL="3200400" algn="ctr">
+            <a:lvl7pPr marL="3200400" lvl="6" indent="-317500" algn="ctr">
               <a:spcBef>
                 <a:spcPts val="1600"/>
               </a:spcBef>
@@ -1409,7 +1512,7 @@
               <a:buChar char="●"/>
               <a:defRPr/>
             </a:lvl7pPr>
-            <a:lvl8pPr indent="-317500" lvl="7" marL="3657600" algn="ctr">
+            <a:lvl8pPr marL="3657600" lvl="7" indent="-317500" algn="ctr">
               <a:spcBef>
                 <a:spcPts val="1600"/>
               </a:spcBef>
@@ -1420,7 +1523,7 @@
               <a:buChar char="○"/>
               <a:defRPr/>
             </a:lvl8pPr>
-            <a:lvl9pPr indent="-317500" lvl="8" marL="4114800" algn="ctr">
+            <a:lvl9pPr marL="4114800" lvl="8" indent="-317500" algn="ctr">
               <a:spcBef>
                 <a:spcPts val="1600"/>
               </a:spcBef>
@@ -1432,15 +1535,19 @@
               <a:defRPr/>
             </a:lvl9pPr>
           </a:lstStyle>
-          <a:p/>
+          <a:p>
+            <a:endParaRPr/>
+          </a:p>
         </p:txBody>
       </p:sp>
       <p:sp>
         <p:nvSpPr>
           <p:cNvPr id="47" name="Google Shape;47;p11"/>
-          <p:cNvSpPr txBox="1"/>
+          <p:cNvSpPr txBox="1">
+            <a:spLocks noGrp="1"/>
+          </p:cNvSpPr>
           <p:nvPr>
-            <p:ph idx="12" type="sldNum"/>
+            <p:ph type="sldNum" idx="12"/>
           </p:nvPr>
         </p:nvSpPr>
         <p:spPr>
@@ -1453,7 +1560,7 @@
           </a:prstGeom>
         </p:spPr>
         <p:txBody>
-          <a:bodyPr anchorCtr="0" anchor="ctr" bIns="91425" lIns="91425" spcFirstLastPara="1" rIns="91425" wrap="square" tIns="91425">
+          <a:bodyPr spcFirstLastPara="1" wrap="square" lIns="91425" tIns="91425" rIns="91425" bIns="91425" anchor="ctr" anchorCtr="0">
             <a:noAutofit/>
           </a:bodyPr>
           <a:lstStyle>
@@ -1495,7 +1602,7 @@
             </a:lvl9pPr>
           </a:lstStyle>
           <a:p>
-            <a:pPr indent="0" lvl="0" marL="0" rtl="0" algn="r">
+            <a:pPr marL="0" lvl="0" indent="0" algn="r" rtl="0">
               <a:spcBef>
                 <a:spcPts val="0"/>
               </a:spcBef>
@@ -1521,11 +1628,11 @@
 </file>
 
 <file path=ppt/slideLayouts/slideLayout11.xml><?xml version="1.0" encoding="utf-8"?>
-<p:sldLayout xmlns:a="http://schemas.openxmlformats.org/drawingml/2006/main" xmlns:r="http://schemas.openxmlformats.org/officeDocument/2006/relationships" xmlns:mc="http://schemas.openxmlformats.org/markup-compatibility/2006" xmlns:mv="urn:schemas-microsoft-com:mac:vml" xmlns:p="http://schemas.openxmlformats.org/presentationml/2006/main" xmlns:c="http://schemas.openxmlformats.org/drawingml/2006/chart" xmlns:dgm="http://schemas.openxmlformats.org/drawingml/2006/diagram" xmlns:o="urn:schemas-microsoft-com:office:office" xmlns:v="urn:schemas-microsoft-com:vml" xmlns:pvml="urn:schemas-microsoft-com:office:powerpoint" xmlns:com="http://schemas.openxmlformats.org/drawingml/2006/compatibility" xmlns:p14="http://schemas.microsoft.com/office/powerpoint/2010/main" xmlns:p15="http://schemas.microsoft.com/office/powerpoint/2012/main" matchingName="Blank" type="blank">
+<p:sldLayout xmlns:a="http://schemas.openxmlformats.org/drawingml/2006/main" xmlns:r="http://schemas.openxmlformats.org/officeDocument/2006/relationships" xmlns:p="http://schemas.openxmlformats.org/presentationml/2006/main" matchingName="Blank" type="blank">
   <p:cSld name="BLANK">
     <p:spTree>
       <p:nvGrpSpPr>
-        <p:cNvPr id="48" name="Shape 48"/>
+        <p:cNvPr id="1" name="Shape 48"/>
         <p:cNvGrpSpPr/>
         <p:nvPr/>
       </p:nvGrpSpPr>
@@ -1540,9 +1647,11 @@
       <p:sp>
         <p:nvSpPr>
           <p:cNvPr id="49" name="Google Shape;49;p12"/>
-          <p:cNvSpPr txBox="1"/>
+          <p:cNvSpPr txBox="1">
+            <a:spLocks noGrp="1"/>
+          </p:cNvSpPr>
           <p:nvPr>
-            <p:ph idx="12" type="sldNum"/>
+            <p:ph type="sldNum" idx="12"/>
           </p:nvPr>
         </p:nvSpPr>
         <p:spPr>
@@ -1555,7 +1664,7 @@
           </a:prstGeom>
         </p:spPr>
         <p:txBody>
-          <a:bodyPr anchorCtr="0" anchor="ctr" bIns="91425" lIns="91425" spcFirstLastPara="1" rIns="91425" wrap="square" tIns="91425">
+          <a:bodyPr spcFirstLastPara="1" wrap="square" lIns="91425" tIns="91425" rIns="91425" bIns="91425" anchor="ctr" anchorCtr="0">
             <a:noAutofit/>
           </a:bodyPr>
           <a:lstStyle>
@@ -1597,7 +1706,7 @@
             </a:lvl9pPr>
           </a:lstStyle>
           <a:p>
-            <a:pPr indent="0" lvl="0" marL="0" rtl="0" algn="r">
+            <a:pPr marL="0" lvl="0" indent="0" algn="r" rtl="0">
               <a:spcBef>
                 <a:spcPts val="0"/>
               </a:spcBef>
@@ -1623,11 +1732,11 @@
 </file>
 
 <file path=ppt/slideLayouts/slideLayout2.xml><?xml version="1.0" encoding="utf-8"?>
-<p:sldLayout xmlns:a="http://schemas.openxmlformats.org/drawingml/2006/main" xmlns:r="http://schemas.openxmlformats.org/officeDocument/2006/relationships" xmlns:mc="http://schemas.openxmlformats.org/markup-compatibility/2006" xmlns:mv="urn:schemas-microsoft-com:mac:vml" xmlns:p="http://schemas.openxmlformats.org/presentationml/2006/main" xmlns:c="http://schemas.openxmlformats.org/drawingml/2006/chart" xmlns:dgm="http://schemas.openxmlformats.org/drawingml/2006/diagram" xmlns:o="urn:schemas-microsoft-com:office:office" xmlns:v="urn:schemas-microsoft-com:vml" xmlns:pvml="urn:schemas-microsoft-com:office:powerpoint" xmlns:com="http://schemas.openxmlformats.org/drawingml/2006/compatibility" xmlns:p14="http://schemas.microsoft.com/office/powerpoint/2010/main" xmlns:p15="http://schemas.microsoft.com/office/powerpoint/2012/main" matchingName="Section header" type="secHead">
+<p:sldLayout xmlns:a="http://schemas.openxmlformats.org/drawingml/2006/main" xmlns:r="http://schemas.openxmlformats.org/officeDocument/2006/relationships" xmlns:p="http://schemas.openxmlformats.org/presentationml/2006/main" matchingName="Section header" type="secHead">
   <p:cSld name="SECTION_HEADER">
     <p:spTree>
       <p:nvGrpSpPr>
-        <p:cNvPr id="13" name="Shape 13"/>
+        <p:cNvPr id="1" name="Shape 13"/>
         <p:cNvGrpSpPr/>
         <p:nvPr/>
       </p:nvGrpSpPr>
@@ -1642,7 +1751,9 @@
       <p:sp>
         <p:nvSpPr>
           <p:cNvPr id="14" name="Google Shape;14;p3"/>
-          <p:cNvSpPr txBox="1"/>
+          <p:cNvSpPr txBox="1">
+            <a:spLocks noGrp="1"/>
+          </p:cNvSpPr>
           <p:nvPr>
             <p:ph type="title"/>
           </p:nvPr>
@@ -1657,7 +1768,7 @@
           </a:prstGeom>
         </p:spPr>
         <p:txBody>
-          <a:bodyPr anchorCtr="0" anchor="ctr" bIns="91425" lIns="91425" spcFirstLastPara="1" rIns="91425" wrap="square" tIns="91425">
+          <a:bodyPr spcFirstLastPara="1" wrap="square" lIns="91425" tIns="91425" rIns="91425" bIns="91425" anchor="ctr" anchorCtr="0">
             <a:noAutofit/>
           </a:bodyPr>
           <a:lstStyle>
@@ -1761,15 +1872,19 @@
               <a:defRPr sz="3600"/>
             </a:lvl9pPr>
           </a:lstStyle>
-          <a:p/>
+          <a:p>
+            <a:endParaRPr/>
+          </a:p>
         </p:txBody>
       </p:sp>
       <p:sp>
         <p:nvSpPr>
           <p:cNvPr id="15" name="Google Shape;15;p3"/>
-          <p:cNvSpPr txBox="1"/>
+          <p:cNvSpPr txBox="1">
+            <a:spLocks noGrp="1"/>
+          </p:cNvSpPr>
           <p:nvPr>
-            <p:ph idx="12" type="sldNum"/>
+            <p:ph type="sldNum" idx="12"/>
           </p:nvPr>
         </p:nvSpPr>
         <p:spPr>
@@ -1782,7 +1897,7 @@
           </a:prstGeom>
         </p:spPr>
         <p:txBody>
-          <a:bodyPr anchorCtr="0" anchor="ctr" bIns="91425" lIns="91425" spcFirstLastPara="1" rIns="91425" wrap="square" tIns="91425">
+          <a:bodyPr spcFirstLastPara="1" wrap="square" lIns="91425" tIns="91425" rIns="91425" bIns="91425" anchor="ctr" anchorCtr="0">
             <a:noAutofit/>
           </a:bodyPr>
           <a:lstStyle>
@@ -1824,7 +1939,7 @@
             </a:lvl9pPr>
           </a:lstStyle>
           <a:p>
-            <a:pPr indent="0" lvl="0" marL="0" rtl="0" algn="r">
+            <a:pPr marL="0" lvl="0" indent="0" algn="r" rtl="0">
               <a:spcBef>
                 <a:spcPts val="0"/>
               </a:spcBef>
@@ -1850,11 +1965,11 @@
 </file>
 
 <file path=ppt/slideLayouts/slideLayout3.xml><?xml version="1.0" encoding="utf-8"?>
-<p:sldLayout xmlns:a="http://schemas.openxmlformats.org/drawingml/2006/main" xmlns:r="http://schemas.openxmlformats.org/officeDocument/2006/relationships" xmlns:mc="http://schemas.openxmlformats.org/markup-compatibility/2006" xmlns:mv="urn:schemas-microsoft-com:mac:vml" xmlns:p="http://schemas.openxmlformats.org/presentationml/2006/main" xmlns:c="http://schemas.openxmlformats.org/drawingml/2006/chart" xmlns:dgm="http://schemas.openxmlformats.org/drawingml/2006/diagram" xmlns:o="urn:schemas-microsoft-com:office:office" xmlns:v="urn:schemas-microsoft-com:vml" xmlns:pvml="urn:schemas-microsoft-com:office:powerpoint" xmlns:com="http://schemas.openxmlformats.org/drawingml/2006/compatibility" xmlns:p14="http://schemas.microsoft.com/office/powerpoint/2010/main" xmlns:p15="http://schemas.microsoft.com/office/powerpoint/2012/main" matchingName="Title and body" type="tx">
+<p:sldLayout xmlns:a="http://schemas.openxmlformats.org/drawingml/2006/main" xmlns:r="http://schemas.openxmlformats.org/officeDocument/2006/relationships" xmlns:p="http://schemas.openxmlformats.org/presentationml/2006/main" matchingName="Title and body" type="tx">
   <p:cSld name="TITLE_AND_BODY">
     <p:spTree>
       <p:nvGrpSpPr>
-        <p:cNvPr id="16" name="Shape 16"/>
+        <p:cNvPr id="1" name="Shape 16"/>
         <p:cNvGrpSpPr/>
         <p:nvPr/>
       </p:nvGrpSpPr>
@@ -1869,7 +1984,9 @@
       <p:sp>
         <p:nvSpPr>
           <p:cNvPr id="17" name="Google Shape;17;p4"/>
-          <p:cNvSpPr txBox="1"/>
+          <p:cNvSpPr txBox="1">
+            <a:spLocks noGrp="1"/>
+          </p:cNvSpPr>
           <p:nvPr>
             <p:ph type="title"/>
           </p:nvPr>
@@ -1884,7 +2001,7 @@
           </a:prstGeom>
         </p:spPr>
         <p:txBody>
-          <a:bodyPr anchorCtr="0" anchor="t" bIns="91425" lIns="91425" spcFirstLastPara="1" rIns="91425" wrap="square" tIns="91425">
+          <a:bodyPr spcFirstLastPara="1" wrap="square" lIns="91425" tIns="91425" rIns="91425" bIns="91425" anchor="t" anchorCtr="0">
             <a:noAutofit/>
           </a:bodyPr>
           <a:lstStyle>
@@ -1988,15 +2105,19 @@
               <a:defRPr/>
             </a:lvl9pPr>
           </a:lstStyle>
-          <a:p/>
+          <a:p>
+            <a:endParaRPr/>
+          </a:p>
         </p:txBody>
       </p:sp>
       <p:sp>
         <p:nvSpPr>
           <p:cNvPr id="18" name="Google Shape;18;p4"/>
-          <p:cNvSpPr txBox="1"/>
+          <p:cNvSpPr txBox="1">
+            <a:spLocks noGrp="1"/>
+          </p:cNvSpPr>
           <p:nvPr>
-            <p:ph idx="1" type="body"/>
+            <p:ph type="body" idx="1"/>
           </p:nvPr>
         </p:nvSpPr>
         <p:spPr>
@@ -2009,11 +2130,11 @@
           </a:prstGeom>
         </p:spPr>
         <p:txBody>
-          <a:bodyPr anchorCtr="0" anchor="t" bIns="91425" lIns="91425" spcFirstLastPara="1" rIns="91425" wrap="square" tIns="91425">
+          <a:bodyPr spcFirstLastPara="1" wrap="square" lIns="91425" tIns="91425" rIns="91425" bIns="91425" anchor="t" anchorCtr="0">
             <a:noAutofit/>
           </a:bodyPr>
           <a:lstStyle>
-            <a:lvl1pPr indent="-342900" lvl="0" marL="457200">
+            <a:lvl1pPr marL="457200" lvl="0" indent="-342900">
               <a:spcBef>
                 <a:spcPts val="0"/>
               </a:spcBef>
@@ -2024,7 +2145,7 @@
               <a:buChar char="●"/>
               <a:defRPr/>
             </a:lvl1pPr>
-            <a:lvl2pPr indent="-317500" lvl="1" marL="914400">
+            <a:lvl2pPr marL="914400" lvl="1" indent="-317500">
               <a:spcBef>
                 <a:spcPts val="1600"/>
               </a:spcBef>
@@ -2035,7 +2156,7 @@
               <a:buChar char="○"/>
               <a:defRPr/>
             </a:lvl2pPr>
-            <a:lvl3pPr indent="-317500" lvl="2" marL="1371600">
+            <a:lvl3pPr marL="1371600" lvl="2" indent="-317500">
               <a:spcBef>
                 <a:spcPts val="1600"/>
               </a:spcBef>
@@ -2046,7 +2167,7 @@
               <a:buChar char="■"/>
               <a:defRPr/>
             </a:lvl3pPr>
-            <a:lvl4pPr indent="-317500" lvl="3" marL="1828800">
+            <a:lvl4pPr marL="1828800" lvl="3" indent="-317500">
               <a:spcBef>
                 <a:spcPts val="1600"/>
               </a:spcBef>
@@ -2057,7 +2178,7 @@
               <a:buChar char="●"/>
               <a:defRPr/>
             </a:lvl4pPr>
-            <a:lvl5pPr indent="-317500" lvl="4" marL="2286000">
+            <a:lvl5pPr marL="2286000" lvl="4" indent="-317500">
               <a:spcBef>
                 <a:spcPts val="1600"/>
               </a:spcBef>
@@ -2068,7 +2189,7 @@
               <a:buChar char="○"/>
               <a:defRPr/>
             </a:lvl5pPr>
-            <a:lvl6pPr indent="-317500" lvl="5" marL="2743200">
+            <a:lvl6pPr marL="2743200" lvl="5" indent="-317500">
               <a:spcBef>
                 <a:spcPts val="1600"/>
               </a:spcBef>
@@ -2079,7 +2200,7 @@
               <a:buChar char="■"/>
               <a:defRPr/>
             </a:lvl6pPr>
-            <a:lvl7pPr indent="-317500" lvl="6" marL="3200400">
+            <a:lvl7pPr marL="3200400" lvl="6" indent="-317500">
               <a:spcBef>
                 <a:spcPts val="1600"/>
               </a:spcBef>
@@ -2090,7 +2211,7 @@
               <a:buChar char="●"/>
               <a:defRPr/>
             </a:lvl7pPr>
-            <a:lvl8pPr indent="-317500" lvl="7" marL="3657600">
+            <a:lvl8pPr marL="3657600" lvl="7" indent="-317500">
               <a:spcBef>
                 <a:spcPts val="1600"/>
               </a:spcBef>
@@ -2101,7 +2222,7 @@
               <a:buChar char="○"/>
               <a:defRPr/>
             </a:lvl8pPr>
-            <a:lvl9pPr indent="-317500" lvl="8" marL="4114800">
+            <a:lvl9pPr marL="4114800" lvl="8" indent="-317500">
               <a:spcBef>
                 <a:spcPts val="1600"/>
               </a:spcBef>
@@ -2113,15 +2234,19 @@
               <a:defRPr/>
             </a:lvl9pPr>
           </a:lstStyle>
-          <a:p/>
+          <a:p>
+            <a:endParaRPr/>
+          </a:p>
         </p:txBody>
       </p:sp>
       <p:sp>
         <p:nvSpPr>
           <p:cNvPr id="19" name="Google Shape;19;p4"/>
-          <p:cNvSpPr txBox="1"/>
+          <p:cNvSpPr txBox="1">
+            <a:spLocks noGrp="1"/>
+          </p:cNvSpPr>
           <p:nvPr>
-            <p:ph idx="12" type="sldNum"/>
+            <p:ph type="sldNum" idx="12"/>
           </p:nvPr>
         </p:nvSpPr>
         <p:spPr>
@@ -2134,7 +2259,7 @@
           </a:prstGeom>
         </p:spPr>
         <p:txBody>
-          <a:bodyPr anchorCtr="0" anchor="ctr" bIns="91425" lIns="91425" spcFirstLastPara="1" rIns="91425" wrap="square" tIns="91425">
+          <a:bodyPr spcFirstLastPara="1" wrap="square" lIns="91425" tIns="91425" rIns="91425" bIns="91425" anchor="ctr" anchorCtr="0">
             <a:noAutofit/>
           </a:bodyPr>
           <a:lstStyle>
@@ -2176,7 +2301,7 @@
             </a:lvl9pPr>
           </a:lstStyle>
           <a:p>
-            <a:pPr indent="0" lvl="0" marL="0" rtl="0" algn="r">
+            <a:pPr marL="0" lvl="0" indent="0" algn="r" rtl="0">
               <a:spcBef>
                 <a:spcPts val="0"/>
               </a:spcBef>
@@ -2202,11 +2327,11 @@
 </file>
 
 <file path=ppt/slideLayouts/slideLayout4.xml><?xml version="1.0" encoding="utf-8"?>
-<p:sldLayout xmlns:a="http://schemas.openxmlformats.org/drawingml/2006/main" xmlns:r="http://schemas.openxmlformats.org/officeDocument/2006/relationships" xmlns:mc="http://schemas.openxmlformats.org/markup-compatibility/2006" xmlns:mv="urn:schemas-microsoft-com:mac:vml" xmlns:p="http://schemas.openxmlformats.org/presentationml/2006/main" xmlns:c="http://schemas.openxmlformats.org/drawingml/2006/chart" xmlns:dgm="http://schemas.openxmlformats.org/drawingml/2006/diagram" xmlns:o="urn:schemas-microsoft-com:office:office" xmlns:v="urn:schemas-microsoft-com:vml" xmlns:pvml="urn:schemas-microsoft-com:office:powerpoint" xmlns:com="http://schemas.openxmlformats.org/drawingml/2006/compatibility" xmlns:p14="http://schemas.microsoft.com/office/powerpoint/2010/main" xmlns:p15="http://schemas.microsoft.com/office/powerpoint/2012/main" matchingName="Title and two columns" type="twoColTx">
+<p:sldLayout xmlns:a="http://schemas.openxmlformats.org/drawingml/2006/main" xmlns:r="http://schemas.openxmlformats.org/officeDocument/2006/relationships" xmlns:p="http://schemas.openxmlformats.org/presentationml/2006/main" matchingName="Title and two columns" type="twoColTx">
   <p:cSld name="TITLE_AND_TWO_COLUMNS">
     <p:spTree>
       <p:nvGrpSpPr>
-        <p:cNvPr id="20" name="Shape 20"/>
+        <p:cNvPr id="1" name="Shape 20"/>
         <p:cNvGrpSpPr/>
         <p:nvPr/>
       </p:nvGrpSpPr>
@@ -2221,7 +2346,9 @@
       <p:sp>
         <p:nvSpPr>
           <p:cNvPr id="21" name="Google Shape;21;p5"/>
-          <p:cNvSpPr txBox="1"/>
+          <p:cNvSpPr txBox="1">
+            <a:spLocks noGrp="1"/>
+          </p:cNvSpPr>
           <p:nvPr>
             <p:ph type="title"/>
           </p:nvPr>
@@ -2236,7 +2363,7 @@
           </a:prstGeom>
         </p:spPr>
         <p:txBody>
-          <a:bodyPr anchorCtr="0" anchor="t" bIns="91425" lIns="91425" spcFirstLastPara="1" rIns="91425" wrap="square" tIns="91425">
+          <a:bodyPr spcFirstLastPara="1" wrap="square" lIns="91425" tIns="91425" rIns="91425" bIns="91425" anchor="t" anchorCtr="0">
             <a:noAutofit/>
           </a:bodyPr>
           <a:lstStyle>
@@ -2340,15 +2467,19 @@
               <a:defRPr/>
             </a:lvl9pPr>
           </a:lstStyle>
-          <a:p/>
+          <a:p>
+            <a:endParaRPr/>
+          </a:p>
         </p:txBody>
       </p:sp>
       <p:sp>
         <p:nvSpPr>
           <p:cNvPr id="22" name="Google Shape;22;p5"/>
-          <p:cNvSpPr txBox="1"/>
+          <p:cNvSpPr txBox="1">
+            <a:spLocks noGrp="1"/>
+          </p:cNvSpPr>
           <p:nvPr>
-            <p:ph idx="1" type="body"/>
+            <p:ph type="body" idx="1"/>
           </p:nvPr>
         </p:nvSpPr>
         <p:spPr>
@@ -2361,11 +2492,11 @@
           </a:prstGeom>
         </p:spPr>
         <p:txBody>
-          <a:bodyPr anchorCtr="0" anchor="t" bIns="91425" lIns="91425" spcFirstLastPara="1" rIns="91425" wrap="square" tIns="91425">
+          <a:bodyPr spcFirstLastPara="1" wrap="square" lIns="91425" tIns="91425" rIns="91425" bIns="91425" anchor="t" anchorCtr="0">
             <a:noAutofit/>
           </a:bodyPr>
           <a:lstStyle>
-            <a:lvl1pPr indent="-317500" lvl="0" marL="457200">
+            <a:lvl1pPr marL="457200" lvl="0" indent="-317500">
               <a:spcBef>
                 <a:spcPts val="0"/>
               </a:spcBef>
@@ -2376,7 +2507,7 @@
               <a:buChar char="●"/>
               <a:defRPr sz="1400"/>
             </a:lvl1pPr>
-            <a:lvl2pPr indent="-304800" lvl="1" marL="914400">
+            <a:lvl2pPr marL="914400" lvl="1" indent="-304800">
               <a:spcBef>
                 <a:spcPts val="1600"/>
               </a:spcBef>
@@ -2387,7 +2518,7 @@
               <a:buChar char="○"/>
               <a:defRPr sz="1200"/>
             </a:lvl2pPr>
-            <a:lvl3pPr indent="-304800" lvl="2" marL="1371600">
+            <a:lvl3pPr marL="1371600" lvl="2" indent="-304800">
               <a:spcBef>
                 <a:spcPts val="1600"/>
               </a:spcBef>
@@ -2398,7 +2529,7 @@
               <a:buChar char="■"/>
               <a:defRPr sz="1200"/>
             </a:lvl3pPr>
-            <a:lvl4pPr indent="-304800" lvl="3" marL="1828800">
+            <a:lvl4pPr marL="1828800" lvl="3" indent="-304800">
               <a:spcBef>
                 <a:spcPts val="1600"/>
               </a:spcBef>
@@ -2409,7 +2540,7 @@
               <a:buChar char="●"/>
               <a:defRPr sz="1200"/>
             </a:lvl4pPr>
-            <a:lvl5pPr indent="-304800" lvl="4" marL="2286000">
+            <a:lvl5pPr marL="2286000" lvl="4" indent="-304800">
               <a:spcBef>
                 <a:spcPts val="1600"/>
               </a:spcBef>
@@ -2420,7 +2551,7 @@
               <a:buChar char="○"/>
               <a:defRPr sz="1200"/>
             </a:lvl5pPr>
-            <a:lvl6pPr indent="-304800" lvl="5" marL="2743200">
+            <a:lvl6pPr marL="2743200" lvl="5" indent="-304800">
               <a:spcBef>
                 <a:spcPts val="1600"/>
               </a:spcBef>
@@ -2431,7 +2562,7 @@
               <a:buChar char="■"/>
               <a:defRPr sz="1200"/>
             </a:lvl6pPr>
-            <a:lvl7pPr indent="-304800" lvl="6" marL="3200400">
+            <a:lvl7pPr marL="3200400" lvl="6" indent="-304800">
               <a:spcBef>
                 <a:spcPts val="1600"/>
               </a:spcBef>
@@ -2442,7 +2573,7 @@
               <a:buChar char="●"/>
               <a:defRPr sz="1200"/>
             </a:lvl7pPr>
-            <a:lvl8pPr indent="-304800" lvl="7" marL="3657600">
+            <a:lvl8pPr marL="3657600" lvl="7" indent="-304800">
               <a:spcBef>
                 <a:spcPts val="1600"/>
               </a:spcBef>
@@ -2453,7 +2584,7 @@
               <a:buChar char="○"/>
               <a:defRPr sz="1200"/>
             </a:lvl8pPr>
-            <a:lvl9pPr indent="-304800" lvl="8" marL="4114800">
+            <a:lvl9pPr marL="4114800" lvl="8" indent="-304800">
               <a:spcBef>
                 <a:spcPts val="1600"/>
               </a:spcBef>
@@ -2465,15 +2596,19 @@
               <a:defRPr sz="1200"/>
             </a:lvl9pPr>
           </a:lstStyle>
-          <a:p/>
+          <a:p>
+            <a:endParaRPr/>
+          </a:p>
         </p:txBody>
       </p:sp>
       <p:sp>
         <p:nvSpPr>
           <p:cNvPr id="23" name="Google Shape;23;p5"/>
-          <p:cNvSpPr txBox="1"/>
+          <p:cNvSpPr txBox="1">
+            <a:spLocks noGrp="1"/>
+          </p:cNvSpPr>
           <p:nvPr>
-            <p:ph idx="2" type="body"/>
+            <p:ph type="body" idx="2"/>
           </p:nvPr>
         </p:nvSpPr>
         <p:spPr>
@@ -2486,11 +2621,11 @@
           </a:prstGeom>
         </p:spPr>
         <p:txBody>
-          <a:bodyPr anchorCtr="0" anchor="t" bIns="91425" lIns="91425" spcFirstLastPara="1" rIns="91425" wrap="square" tIns="91425">
+          <a:bodyPr spcFirstLastPara="1" wrap="square" lIns="91425" tIns="91425" rIns="91425" bIns="91425" anchor="t" anchorCtr="0">
             <a:noAutofit/>
           </a:bodyPr>
           <a:lstStyle>
-            <a:lvl1pPr indent="-317500" lvl="0" marL="457200">
+            <a:lvl1pPr marL="457200" lvl="0" indent="-317500">
               <a:spcBef>
                 <a:spcPts val="0"/>
               </a:spcBef>
@@ -2501,7 +2636,7 @@
               <a:buChar char="●"/>
               <a:defRPr sz="1400"/>
             </a:lvl1pPr>
-            <a:lvl2pPr indent="-304800" lvl="1" marL="914400">
+            <a:lvl2pPr marL="914400" lvl="1" indent="-304800">
               <a:spcBef>
                 <a:spcPts val="1600"/>
               </a:spcBef>
@@ -2512,7 +2647,7 @@
               <a:buChar char="○"/>
               <a:defRPr sz="1200"/>
             </a:lvl2pPr>
-            <a:lvl3pPr indent="-304800" lvl="2" marL="1371600">
+            <a:lvl3pPr marL="1371600" lvl="2" indent="-304800">
               <a:spcBef>
                 <a:spcPts val="1600"/>
               </a:spcBef>
@@ -2523,7 +2658,7 @@
               <a:buChar char="■"/>
               <a:defRPr sz="1200"/>
             </a:lvl3pPr>
-            <a:lvl4pPr indent="-304800" lvl="3" marL="1828800">
+            <a:lvl4pPr marL="1828800" lvl="3" indent="-304800">
               <a:spcBef>
                 <a:spcPts val="1600"/>
               </a:spcBef>
@@ -2534,7 +2669,7 @@
               <a:buChar char="●"/>
               <a:defRPr sz="1200"/>
             </a:lvl4pPr>
-            <a:lvl5pPr indent="-304800" lvl="4" marL="2286000">
+            <a:lvl5pPr marL="2286000" lvl="4" indent="-304800">
               <a:spcBef>
                 <a:spcPts val="1600"/>
               </a:spcBef>
@@ -2545,7 +2680,7 @@
               <a:buChar char="○"/>
               <a:defRPr sz="1200"/>
             </a:lvl5pPr>
-            <a:lvl6pPr indent="-304800" lvl="5" marL="2743200">
+            <a:lvl6pPr marL="2743200" lvl="5" indent="-304800">
               <a:spcBef>
                 <a:spcPts val="1600"/>
               </a:spcBef>
@@ -2556,7 +2691,7 @@
               <a:buChar char="■"/>
               <a:defRPr sz="1200"/>
             </a:lvl6pPr>
-            <a:lvl7pPr indent="-304800" lvl="6" marL="3200400">
+            <a:lvl7pPr marL="3200400" lvl="6" indent="-304800">
               <a:spcBef>
                 <a:spcPts val="1600"/>
               </a:spcBef>
@@ -2567,7 +2702,7 @@
               <a:buChar char="●"/>
               <a:defRPr sz="1200"/>
             </a:lvl7pPr>
-            <a:lvl8pPr indent="-304800" lvl="7" marL="3657600">
+            <a:lvl8pPr marL="3657600" lvl="7" indent="-304800">
               <a:spcBef>
                 <a:spcPts val="1600"/>
               </a:spcBef>
@@ -2578,7 +2713,7 @@
               <a:buChar char="○"/>
               <a:defRPr sz="1200"/>
             </a:lvl8pPr>
-            <a:lvl9pPr indent="-304800" lvl="8" marL="4114800">
+            <a:lvl9pPr marL="4114800" lvl="8" indent="-304800">
               <a:spcBef>
                 <a:spcPts val="1600"/>
               </a:spcBef>
@@ -2590,15 +2725,19 @@
               <a:defRPr sz="1200"/>
             </a:lvl9pPr>
           </a:lstStyle>
-          <a:p/>
+          <a:p>
+            <a:endParaRPr/>
+          </a:p>
         </p:txBody>
       </p:sp>
       <p:sp>
         <p:nvSpPr>
           <p:cNvPr id="24" name="Google Shape;24;p5"/>
-          <p:cNvSpPr txBox="1"/>
+          <p:cNvSpPr txBox="1">
+            <a:spLocks noGrp="1"/>
+          </p:cNvSpPr>
           <p:nvPr>
-            <p:ph idx="12" type="sldNum"/>
+            <p:ph type="sldNum" idx="12"/>
           </p:nvPr>
         </p:nvSpPr>
         <p:spPr>
@@ -2611,7 +2750,7 @@
           </a:prstGeom>
         </p:spPr>
         <p:txBody>
-          <a:bodyPr anchorCtr="0" anchor="ctr" bIns="91425" lIns="91425" spcFirstLastPara="1" rIns="91425" wrap="square" tIns="91425">
+          <a:bodyPr spcFirstLastPara="1" wrap="square" lIns="91425" tIns="91425" rIns="91425" bIns="91425" anchor="ctr" anchorCtr="0">
             <a:noAutofit/>
           </a:bodyPr>
           <a:lstStyle>
@@ -2653,7 +2792,7 @@
             </a:lvl9pPr>
           </a:lstStyle>
           <a:p>
-            <a:pPr indent="0" lvl="0" marL="0" rtl="0" algn="r">
+            <a:pPr marL="0" lvl="0" indent="0" algn="r" rtl="0">
               <a:spcBef>
                 <a:spcPts val="0"/>
               </a:spcBef>
@@ -2679,11 +2818,11 @@
 </file>
 
 <file path=ppt/slideLayouts/slideLayout5.xml><?xml version="1.0" encoding="utf-8"?>
-<p:sldLayout xmlns:a="http://schemas.openxmlformats.org/drawingml/2006/main" xmlns:r="http://schemas.openxmlformats.org/officeDocument/2006/relationships" xmlns:mc="http://schemas.openxmlformats.org/markup-compatibility/2006" xmlns:mv="urn:schemas-microsoft-com:mac:vml" xmlns:p="http://schemas.openxmlformats.org/presentationml/2006/main" xmlns:c="http://schemas.openxmlformats.org/drawingml/2006/chart" xmlns:dgm="http://schemas.openxmlformats.org/drawingml/2006/diagram" xmlns:o="urn:schemas-microsoft-com:office:office" xmlns:v="urn:schemas-microsoft-com:vml" xmlns:pvml="urn:schemas-microsoft-com:office:powerpoint" xmlns:com="http://schemas.openxmlformats.org/drawingml/2006/compatibility" xmlns:p14="http://schemas.microsoft.com/office/powerpoint/2010/main" xmlns:p15="http://schemas.microsoft.com/office/powerpoint/2012/main" matchingName="Title only" type="titleOnly">
+<p:sldLayout xmlns:a="http://schemas.openxmlformats.org/drawingml/2006/main" xmlns:r="http://schemas.openxmlformats.org/officeDocument/2006/relationships" xmlns:p="http://schemas.openxmlformats.org/presentationml/2006/main" matchingName="Title only" type="titleOnly">
   <p:cSld name="TITLE_ONLY">
     <p:spTree>
       <p:nvGrpSpPr>
-        <p:cNvPr id="25" name="Shape 25"/>
+        <p:cNvPr id="1" name="Shape 25"/>
         <p:cNvGrpSpPr/>
         <p:nvPr/>
       </p:nvGrpSpPr>
@@ -2698,7 +2837,9 @@
       <p:sp>
         <p:nvSpPr>
           <p:cNvPr id="26" name="Google Shape;26;p6"/>
-          <p:cNvSpPr txBox="1"/>
+          <p:cNvSpPr txBox="1">
+            <a:spLocks noGrp="1"/>
+          </p:cNvSpPr>
           <p:nvPr>
             <p:ph type="title"/>
           </p:nvPr>
@@ -2713,7 +2854,7 @@
           </a:prstGeom>
         </p:spPr>
         <p:txBody>
-          <a:bodyPr anchorCtr="0" anchor="t" bIns="91425" lIns="91425" spcFirstLastPara="1" rIns="91425" wrap="square" tIns="91425">
+          <a:bodyPr spcFirstLastPara="1" wrap="square" lIns="91425" tIns="91425" rIns="91425" bIns="91425" anchor="t" anchorCtr="0">
             <a:noAutofit/>
           </a:bodyPr>
           <a:lstStyle>
@@ -2817,15 +2958,19 @@
               <a:defRPr/>
             </a:lvl9pPr>
           </a:lstStyle>
-          <a:p/>
+          <a:p>
+            <a:endParaRPr/>
+          </a:p>
         </p:txBody>
       </p:sp>
       <p:sp>
         <p:nvSpPr>
           <p:cNvPr id="27" name="Google Shape;27;p6"/>
-          <p:cNvSpPr txBox="1"/>
+          <p:cNvSpPr txBox="1">
+            <a:spLocks noGrp="1"/>
+          </p:cNvSpPr>
           <p:nvPr>
-            <p:ph idx="12" type="sldNum"/>
+            <p:ph type="sldNum" idx="12"/>
           </p:nvPr>
         </p:nvSpPr>
         <p:spPr>
@@ -2838,7 +2983,7 @@
           </a:prstGeom>
         </p:spPr>
         <p:txBody>
-          <a:bodyPr anchorCtr="0" anchor="ctr" bIns="91425" lIns="91425" spcFirstLastPara="1" rIns="91425" wrap="square" tIns="91425">
+          <a:bodyPr spcFirstLastPara="1" wrap="square" lIns="91425" tIns="91425" rIns="91425" bIns="91425" anchor="ctr" anchorCtr="0">
             <a:noAutofit/>
           </a:bodyPr>
           <a:lstStyle>
@@ -2880,7 +3025,7 @@
             </a:lvl9pPr>
           </a:lstStyle>
           <a:p>
-            <a:pPr indent="0" lvl="0" marL="0" rtl="0" algn="r">
+            <a:pPr marL="0" lvl="0" indent="0" algn="r" rtl="0">
               <a:spcBef>
                 <a:spcPts val="0"/>
               </a:spcBef>
@@ -2906,11 +3051,11 @@
 </file>
 
 <file path=ppt/slideLayouts/slideLayout6.xml><?xml version="1.0" encoding="utf-8"?>
-<p:sldLayout xmlns:a="http://schemas.openxmlformats.org/drawingml/2006/main" xmlns:r="http://schemas.openxmlformats.org/officeDocument/2006/relationships" xmlns:mc="http://schemas.openxmlformats.org/markup-compatibility/2006" xmlns:mv="urn:schemas-microsoft-com:mac:vml" xmlns:p="http://schemas.openxmlformats.org/presentationml/2006/main" xmlns:c="http://schemas.openxmlformats.org/drawingml/2006/chart" xmlns:dgm="http://schemas.openxmlformats.org/drawingml/2006/diagram" xmlns:o="urn:schemas-microsoft-com:office:office" xmlns:v="urn:schemas-microsoft-com:vml" xmlns:pvml="urn:schemas-microsoft-com:office:powerpoint" xmlns:com="http://schemas.openxmlformats.org/drawingml/2006/compatibility" xmlns:p14="http://schemas.microsoft.com/office/powerpoint/2010/main" xmlns:p15="http://schemas.microsoft.com/office/powerpoint/2012/main" matchingName="One column text">
+<p:sldLayout xmlns:a="http://schemas.openxmlformats.org/drawingml/2006/main" xmlns:r="http://schemas.openxmlformats.org/officeDocument/2006/relationships" xmlns:p="http://schemas.openxmlformats.org/presentationml/2006/main" matchingName="One column text">
   <p:cSld name="ONE_COLUMN_TEXT">
     <p:spTree>
       <p:nvGrpSpPr>
-        <p:cNvPr id="28" name="Shape 28"/>
+        <p:cNvPr id="1" name="Shape 28"/>
         <p:cNvGrpSpPr/>
         <p:nvPr/>
       </p:nvGrpSpPr>
@@ -2925,7 +3070,9 @@
       <p:sp>
         <p:nvSpPr>
           <p:cNvPr id="29" name="Google Shape;29;p7"/>
-          <p:cNvSpPr txBox="1"/>
+          <p:cNvSpPr txBox="1">
+            <a:spLocks noGrp="1"/>
+          </p:cNvSpPr>
           <p:nvPr>
             <p:ph type="title"/>
           </p:nvPr>
@@ -2940,7 +3087,7 @@
           </a:prstGeom>
         </p:spPr>
         <p:txBody>
-          <a:bodyPr anchorCtr="0" anchor="b" bIns="91425" lIns="91425" spcFirstLastPara="1" rIns="91425" wrap="square" tIns="91425">
+          <a:bodyPr spcFirstLastPara="1" wrap="square" lIns="91425" tIns="91425" rIns="91425" bIns="91425" anchor="b" anchorCtr="0">
             <a:noAutofit/>
           </a:bodyPr>
           <a:lstStyle>
@@ -3044,15 +3191,19 @@
               <a:defRPr sz="2400"/>
             </a:lvl9pPr>
           </a:lstStyle>
-          <a:p/>
+          <a:p>
+            <a:endParaRPr/>
+          </a:p>
         </p:txBody>
       </p:sp>
       <p:sp>
         <p:nvSpPr>
           <p:cNvPr id="30" name="Google Shape;30;p7"/>
-          <p:cNvSpPr txBox="1"/>
+          <p:cNvSpPr txBox="1">
+            <a:spLocks noGrp="1"/>
+          </p:cNvSpPr>
           <p:nvPr>
-            <p:ph idx="1" type="body"/>
+            <p:ph type="body" idx="1"/>
           </p:nvPr>
         </p:nvSpPr>
         <p:spPr>
@@ -3065,11 +3216,11 @@
           </a:prstGeom>
         </p:spPr>
         <p:txBody>
-          <a:bodyPr anchorCtr="0" anchor="t" bIns="91425" lIns="91425" spcFirstLastPara="1" rIns="91425" wrap="square" tIns="91425">
+          <a:bodyPr spcFirstLastPara="1" wrap="square" lIns="91425" tIns="91425" rIns="91425" bIns="91425" anchor="t" anchorCtr="0">
             <a:noAutofit/>
           </a:bodyPr>
           <a:lstStyle>
-            <a:lvl1pPr indent="-304800" lvl="0" marL="457200">
+            <a:lvl1pPr marL="457200" lvl="0" indent="-304800">
               <a:spcBef>
                 <a:spcPts val="0"/>
               </a:spcBef>
@@ -3080,7 +3231,7 @@
               <a:buChar char="●"/>
               <a:defRPr sz="1200"/>
             </a:lvl1pPr>
-            <a:lvl2pPr indent="-304800" lvl="1" marL="914400">
+            <a:lvl2pPr marL="914400" lvl="1" indent="-304800">
               <a:spcBef>
                 <a:spcPts val="1600"/>
               </a:spcBef>
@@ -3091,7 +3242,7 @@
               <a:buChar char="○"/>
               <a:defRPr sz="1200"/>
             </a:lvl2pPr>
-            <a:lvl3pPr indent="-304800" lvl="2" marL="1371600">
+            <a:lvl3pPr marL="1371600" lvl="2" indent="-304800">
               <a:spcBef>
                 <a:spcPts val="1600"/>
               </a:spcBef>
@@ -3102,7 +3253,7 @@
               <a:buChar char="■"/>
               <a:defRPr sz="1200"/>
             </a:lvl3pPr>
-            <a:lvl4pPr indent="-304800" lvl="3" marL="1828800">
+            <a:lvl4pPr marL="1828800" lvl="3" indent="-304800">
               <a:spcBef>
                 <a:spcPts val="1600"/>
               </a:spcBef>
@@ -3113,7 +3264,7 @@
               <a:buChar char="●"/>
               <a:defRPr sz="1200"/>
             </a:lvl4pPr>
-            <a:lvl5pPr indent="-304800" lvl="4" marL="2286000">
+            <a:lvl5pPr marL="2286000" lvl="4" indent="-304800">
               <a:spcBef>
                 <a:spcPts val="1600"/>
               </a:spcBef>
@@ -3124,7 +3275,7 @@
               <a:buChar char="○"/>
               <a:defRPr sz="1200"/>
             </a:lvl5pPr>
-            <a:lvl6pPr indent="-304800" lvl="5" marL="2743200">
+            <a:lvl6pPr marL="2743200" lvl="5" indent="-304800">
               <a:spcBef>
                 <a:spcPts val="1600"/>
               </a:spcBef>
@@ -3135,7 +3286,7 @@
               <a:buChar char="■"/>
               <a:defRPr sz="1200"/>
             </a:lvl6pPr>
-            <a:lvl7pPr indent="-304800" lvl="6" marL="3200400">
+            <a:lvl7pPr marL="3200400" lvl="6" indent="-304800">
               <a:spcBef>
                 <a:spcPts val="1600"/>
               </a:spcBef>
@@ -3146,7 +3297,7 @@
               <a:buChar char="●"/>
               <a:defRPr sz="1200"/>
             </a:lvl7pPr>
-            <a:lvl8pPr indent="-304800" lvl="7" marL="3657600">
+            <a:lvl8pPr marL="3657600" lvl="7" indent="-304800">
               <a:spcBef>
                 <a:spcPts val="1600"/>
               </a:spcBef>
@@ -3157,7 +3308,7 @@
               <a:buChar char="○"/>
               <a:defRPr sz="1200"/>
             </a:lvl8pPr>
-            <a:lvl9pPr indent="-304800" lvl="8" marL="4114800">
+            <a:lvl9pPr marL="4114800" lvl="8" indent="-304800">
               <a:spcBef>
                 <a:spcPts val="1600"/>
               </a:spcBef>
@@ -3169,15 +3320,19 @@
               <a:defRPr sz="1200"/>
             </a:lvl9pPr>
           </a:lstStyle>
-          <a:p/>
+          <a:p>
+            <a:endParaRPr/>
+          </a:p>
         </p:txBody>
       </p:sp>
       <p:sp>
         <p:nvSpPr>
           <p:cNvPr id="31" name="Google Shape;31;p7"/>
-          <p:cNvSpPr txBox="1"/>
+          <p:cNvSpPr txBox="1">
+            <a:spLocks noGrp="1"/>
+          </p:cNvSpPr>
           <p:nvPr>
-            <p:ph idx="12" type="sldNum"/>
+            <p:ph type="sldNum" idx="12"/>
           </p:nvPr>
         </p:nvSpPr>
         <p:spPr>
@@ -3190,7 +3345,7 @@
           </a:prstGeom>
         </p:spPr>
         <p:txBody>
-          <a:bodyPr anchorCtr="0" anchor="ctr" bIns="91425" lIns="91425" spcFirstLastPara="1" rIns="91425" wrap="square" tIns="91425">
+          <a:bodyPr spcFirstLastPara="1" wrap="square" lIns="91425" tIns="91425" rIns="91425" bIns="91425" anchor="ctr" anchorCtr="0">
             <a:noAutofit/>
           </a:bodyPr>
           <a:lstStyle>
@@ -3232,7 +3387,7 @@
             </a:lvl9pPr>
           </a:lstStyle>
           <a:p>
-            <a:pPr indent="0" lvl="0" marL="0" rtl="0" algn="r">
+            <a:pPr marL="0" lvl="0" indent="0" algn="r" rtl="0">
               <a:spcBef>
                 <a:spcPts val="0"/>
               </a:spcBef>
@@ -3258,11 +3413,11 @@
 </file>
 
 <file path=ppt/slideLayouts/slideLayout7.xml><?xml version="1.0" encoding="utf-8"?>
-<p:sldLayout xmlns:a="http://schemas.openxmlformats.org/drawingml/2006/main" xmlns:r="http://schemas.openxmlformats.org/officeDocument/2006/relationships" xmlns:mc="http://schemas.openxmlformats.org/markup-compatibility/2006" xmlns:mv="urn:schemas-microsoft-com:mac:vml" xmlns:p="http://schemas.openxmlformats.org/presentationml/2006/main" xmlns:c="http://schemas.openxmlformats.org/drawingml/2006/chart" xmlns:dgm="http://schemas.openxmlformats.org/drawingml/2006/diagram" xmlns:o="urn:schemas-microsoft-com:office:office" xmlns:v="urn:schemas-microsoft-com:vml" xmlns:pvml="urn:schemas-microsoft-com:office:powerpoint" xmlns:com="http://schemas.openxmlformats.org/drawingml/2006/compatibility" xmlns:p14="http://schemas.microsoft.com/office/powerpoint/2010/main" xmlns:p15="http://schemas.microsoft.com/office/powerpoint/2012/main" matchingName="Main point">
+<p:sldLayout xmlns:a="http://schemas.openxmlformats.org/drawingml/2006/main" xmlns:r="http://schemas.openxmlformats.org/officeDocument/2006/relationships" xmlns:p="http://schemas.openxmlformats.org/presentationml/2006/main" matchingName="Main point">
   <p:cSld name="MAIN_POINT">
     <p:spTree>
       <p:nvGrpSpPr>
-        <p:cNvPr id="32" name="Shape 32"/>
+        <p:cNvPr id="1" name="Shape 32"/>
         <p:cNvGrpSpPr/>
         <p:nvPr/>
       </p:nvGrpSpPr>
@@ -3277,7 +3432,9 @@
       <p:sp>
         <p:nvSpPr>
           <p:cNvPr id="33" name="Google Shape;33;p8"/>
-          <p:cNvSpPr txBox="1"/>
+          <p:cNvSpPr txBox="1">
+            <a:spLocks noGrp="1"/>
+          </p:cNvSpPr>
           <p:nvPr>
             <p:ph type="title"/>
           </p:nvPr>
@@ -3292,7 +3449,7 @@
           </a:prstGeom>
         </p:spPr>
         <p:txBody>
-          <a:bodyPr anchorCtr="0" anchor="ctr" bIns="91425" lIns="91425" spcFirstLastPara="1" rIns="91425" wrap="square" tIns="91425">
+          <a:bodyPr spcFirstLastPara="1" wrap="square" lIns="91425" tIns="91425" rIns="91425" bIns="91425" anchor="ctr" anchorCtr="0">
             <a:noAutofit/>
           </a:bodyPr>
           <a:lstStyle>
@@ -3396,15 +3553,19 @@
               <a:defRPr sz="4800"/>
             </a:lvl9pPr>
           </a:lstStyle>
-          <a:p/>
+          <a:p>
+            <a:endParaRPr/>
+          </a:p>
         </p:txBody>
       </p:sp>
       <p:sp>
         <p:nvSpPr>
           <p:cNvPr id="34" name="Google Shape;34;p8"/>
-          <p:cNvSpPr txBox="1"/>
+          <p:cNvSpPr txBox="1">
+            <a:spLocks noGrp="1"/>
+          </p:cNvSpPr>
           <p:nvPr>
-            <p:ph idx="12" type="sldNum"/>
+            <p:ph type="sldNum" idx="12"/>
           </p:nvPr>
         </p:nvSpPr>
         <p:spPr>
@@ -3417,7 +3578,7 @@
           </a:prstGeom>
         </p:spPr>
         <p:txBody>
-          <a:bodyPr anchorCtr="0" anchor="ctr" bIns="91425" lIns="91425" spcFirstLastPara="1" rIns="91425" wrap="square" tIns="91425">
+          <a:bodyPr spcFirstLastPara="1" wrap="square" lIns="91425" tIns="91425" rIns="91425" bIns="91425" anchor="ctr" anchorCtr="0">
             <a:noAutofit/>
           </a:bodyPr>
           <a:lstStyle>
@@ -3459,7 +3620,7 @@
             </a:lvl9pPr>
           </a:lstStyle>
           <a:p>
-            <a:pPr indent="0" lvl="0" marL="0" rtl="0" algn="r">
+            <a:pPr marL="0" lvl="0" indent="0" algn="r" rtl="0">
               <a:spcBef>
                 <a:spcPts val="0"/>
               </a:spcBef>
@@ -3485,11 +3646,11 @@
 </file>
 
 <file path=ppt/slideLayouts/slideLayout8.xml><?xml version="1.0" encoding="utf-8"?>
-<p:sldLayout xmlns:a="http://schemas.openxmlformats.org/drawingml/2006/main" xmlns:r="http://schemas.openxmlformats.org/officeDocument/2006/relationships" xmlns:mc="http://schemas.openxmlformats.org/markup-compatibility/2006" xmlns:mv="urn:schemas-microsoft-com:mac:vml" xmlns:p="http://schemas.openxmlformats.org/presentationml/2006/main" xmlns:c="http://schemas.openxmlformats.org/drawingml/2006/chart" xmlns:dgm="http://schemas.openxmlformats.org/drawingml/2006/diagram" xmlns:o="urn:schemas-microsoft-com:office:office" xmlns:v="urn:schemas-microsoft-com:vml" xmlns:pvml="urn:schemas-microsoft-com:office:powerpoint" xmlns:com="http://schemas.openxmlformats.org/drawingml/2006/compatibility" xmlns:p14="http://schemas.microsoft.com/office/powerpoint/2010/main" xmlns:p15="http://schemas.microsoft.com/office/powerpoint/2012/main" matchingName="Section title and description">
+<p:sldLayout xmlns:a="http://schemas.openxmlformats.org/drawingml/2006/main" xmlns:r="http://schemas.openxmlformats.org/officeDocument/2006/relationships" xmlns:p="http://schemas.openxmlformats.org/presentationml/2006/main" matchingName="Section title and description">
   <p:cSld name="SECTION_TITLE_AND_DESCRIPTION">
     <p:spTree>
       <p:nvGrpSpPr>
-        <p:cNvPr id="35" name="Shape 35"/>
+        <p:cNvPr id="1" name="Shape 35"/>
         <p:cNvGrpSpPr/>
         <p:nvPr/>
       </p:nvGrpSpPr>
@@ -3523,12 +3684,12 @@
           </a:ln>
         </p:spPr>
         <p:txBody>
-          <a:bodyPr anchorCtr="0" anchor="ctr" bIns="91425" lIns="91425" spcFirstLastPara="1" rIns="91425" wrap="square" tIns="91425">
+          <a:bodyPr spcFirstLastPara="1" wrap="square" lIns="91425" tIns="91425" rIns="91425" bIns="91425" anchor="ctr" anchorCtr="0">
             <a:noAutofit/>
           </a:bodyPr>
           <a:lstStyle/>
           <a:p>
-            <a:pPr indent="0" lvl="0" marL="0" rtl="0" algn="l">
+            <a:pPr marL="0" lvl="0" indent="0" algn="l" rtl="0">
               <a:spcBef>
                 <a:spcPts val="0"/>
               </a:spcBef>
@@ -3537,9 +3698,6 @@
               </a:spcAft>
               <a:buNone/>
             </a:pPr>
-            <a:r>
-              <a:t/>
-            </a:r>
             <a:endParaRPr/>
           </a:p>
         </p:txBody>
@@ -3547,7 +3705,9 @@
       <p:sp>
         <p:nvSpPr>
           <p:cNvPr id="37" name="Google Shape;37;p9"/>
-          <p:cNvSpPr txBox="1"/>
+          <p:cNvSpPr txBox="1">
+            <a:spLocks noGrp="1"/>
+          </p:cNvSpPr>
           <p:nvPr>
             <p:ph type="title"/>
           </p:nvPr>
@@ -3562,7 +3722,7 @@
           </a:prstGeom>
         </p:spPr>
         <p:txBody>
-          <a:bodyPr anchorCtr="0" anchor="b" bIns="91425" lIns="91425" spcFirstLastPara="1" rIns="91425" wrap="square" tIns="91425">
+          <a:bodyPr spcFirstLastPara="1" wrap="square" lIns="91425" tIns="91425" rIns="91425" bIns="91425" anchor="b" anchorCtr="0">
             <a:noAutofit/>
           </a:bodyPr>
           <a:lstStyle>
@@ -3666,15 +3826,19 @@
               <a:defRPr sz="4200"/>
             </a:lvl9pPr>
           </a:lstStyle>
-          <a:p/>
+          <a:p>
+            <a:endParaRPr/>
+          </a:p>
         </p:txBody>
       </p:sp>
       <p:sp>
         <p:nvSpPr>
           <p:cNvPr id="38" name="Google Shape;38;p9"/>
-          <p:cNvSpPr txBox="1"/>
+          <p:cNvSpPr txBox="1">
+            <a:spLocks noGrp="1"/>
+          </p:cNvSpPr>
           <p:nvPr>
-            <p:ph idx="1" type="subTitle"/>
+            <p:ph type="subTitle" idx="1"/>
           </p:nvPr>
         </p:nvSpPr>
         <p:spPr>
@@ -3687,7 +3851,7 @@
           </a:prstGeom>
         </p:spPr>
         <p:txBody>
-          <a:bodyPr anchorCtr="0" anchor="t" bIns="91425" lIns="91425" spcFirstLastPara="1" rIns="91425" wrap="square" tIns="91425">
+          <a:bodyPr spcFirstLastPara="1" wrap="square" lIns="91425" tIns="91425" rIns="91425" bIns="91425" anchor="t" anchorCtr="0">
             <a:noAutofit/>
           </a:bodyPr>
           <a:lstStyle>
@@ -3818,15 +3982,19 @@
               <a:defRPr sz="2100"/>
             </a:lvl9pPr>
           </a:lstStyle>
-          <a:p/>
+          <a:p>
+            <a:endParaRPr/>
+          </a:p>
         </p:txBody>
       </p:sp>
       <p:sp>
         <p:nvSpPr>
           <p:cNvPr id="39" name="Google Shape;39;p9"/>
-          <p:cNvSpPr txBox="1"/>
+          <p:cNvSpPr txBox="1">
+            <a:spLocks noGrp="1"/>
+          </p:cNvSpPr>
           <p:nvPr>
-            <p:ph idx="2" type="body"/>
+            <p:ph type="body" idx="2"/>
           </p:nvPr>
         </p:nvSpPr>
         <p:spPr>
@@ -3839,11 +4007,11 @@
           </a:prstGeom>
         </p:spPr>
         <p:txBody>
-          <a:bodyPr anchorCtr="0" anchor="ctr" bIns="91425" lIns="91425" spcFirstLastPara="1" rIns="91425" wrap="square" tIns="91425">
+          <a:bodyPr spcFirstLastPara="1" wrap="square" lIns="91425" tIns="91425" rIns="91425" bIns="91425" anchor="ctr" anchorCtr="0">
             <a:noAutofit/>
           </a:bodyPr>
           <a:lstStyle>
-            <a:lvl1pPr indent="-342900" lvl="0" marL="457200">
+            <a:lvl1pPr marL="457200" lvl="0" indent="-342900">
               <a:spcBef>
                 <a:spcPts val="0"/>
               </a:spcBef>
@@ -3854,7 +4022,7 @@
               <a:buChar char="●"/>
               <a:defRPr/>
             </a:lvl1pPr>
-            <a:lvl2pPr indent="-317500" lvl="1" marL="914400">
+            <a:lvl2pPr marL="914400" lvl="1" indent="-317500">
               <a:spcBef>
                 <a:spcPts val="1600"/>
               </a:spcBef>
@@ -3865,7 +4033,7 @@
               <a:buChar char="○"/>
               <a:defRPr/>
             </a:lvl2pPr>
-            <a:lvl3pPr indent="-317500" lvl="2" marL="1371600">
+            <a:lvl3pPr marL="1371600" lvl="2" indent="-317500">
               <a:spcBef>
                 <a:spcPts val="1600"/>
               </a:spcBef>
@@ -3876,7 +4044,7 @@
               <a:buChar char="■"/>
               <a:defRPr/>
             </a:lvl3pPr>
-            <a:lvl4pPr indent="-317500" lvl="3" marL="1828800">
+            <a:lvl4pPr marL="1828800" lvl="3" indent="-317500">
               <a:spcBef>
                 <a:spcPts val="1600"/>
               </a:spcBef>
@@ -3887,7 +4055,7 @@
               <a:buChar char="●"/>
               <a:defRPr/>
             </a:lvl4pPr>
-            <a:lvl5pPr indent="-317500" lvl="4" marL="2286000">
+            <a:lvl5pPr marL="2286000" lvl="4" indent="-317500">
               <a:spcBef>
                 <a:spcPts val="1600"/>
               </a:spcBef>
@@ -3898,7 +4066,7 @@
               <a:buChar char="○"/>
               <a:defRPr/>
             </a:lvl5pPr>
-            <a:lvl6pPr indent="-317500" lvl="5" marL="2743200">
+            <a:lvl6pPr marL="2743200" lvl="5" indent="-317500">
               <a:spcBef>
                 <a:spcPts val="1600"/>
               </a:spcBef>
@@ -3909,7 +4077,7 @@
               <a:buChar char="■"/>
               <a:defRPr/>
             </a:lvl6pPr>
-            <a:lvl7pPr indent="-317500" lvl="6" marL="3200400">
+            <a:lvl7pPr marL="3200400" lvl="6" indent="-317500">
               <a:spcBef>
                 <a:spcPts val="1600"/>
               </a:spcBef>
@@ -3920,7 +4088,7 @@
               <a:buChar char="●"/>
               <a:defRPr/>
             </a:lvl7pPr>
-            <a:lvl8pPr indent="-317500" lvl="7" marL="3657600">
+            <a:lvl8pPr marL="3657600" lvl="7" indent="-317500">
               <a:spcBef>
                 <a:spcPts val="1600"/>
               </a:spcBef>
@@ -3931,7 +4099,7 @@
               <a:buChar char="○"/>
               <a:defRPr/>
             </a:lvl8pPr>
-            <a:lvl9pPr indent="-317500" lvl="8" marL="4114800">
+            <a:lvl9pPr marL="4114800" lvl="8" indent="-317500">
               <a:spcBef>
                 <a:spcPts val="1600"/>
               </a:spcBef>
@@ -3943,15 +4111,19 @@
               <a:defRPr/>
             </a:lvl9pPr>
           </a:lstStyle>
-          <a:p/>
+          <a:p>
+            <a:endParaRPr/>
+          </a:p>
         </p:txBody>
       </p:sp>
       <p:sp>
         <p:nvSpPr>
           <p:cNvPr id="40" name="Google Shape;40;p9"/>
-          <p:cNvSpPr txBox="1"/>
+          <p:cNvSpPr txBox="1">
+            <a:spLocks noGrp="1"/>
+          </p:cNvSpPr>
           <p:nvPr>
-            <p:ph idx="12" type="sldNum"/>
+            <p:ph type="sldNum" idx="12"/>
           </p:nvPr>
         </p:nvSpPr>
         <p:spPr>
@@ -3964,7 +4136,7 @@
           </a:prstGeom>
         </p:spPr>
         <p:txBody>
-          <a:bodyPr anchorCtr="0" anchor="ctr" bIns="91425" lIns="91425" spcFirstLastPara="1" rIns="91425" wrap="square" tIns="91425">
+          <a:bodyPr spcFirstLastPara="1" wrap="square" lIns="91425" tIns="91425" rIns="91425" bIns="91425" anchor="ctr" anchorCtr="0">
             <a:noAutofit/>
           </a:bodyPr>
           <a:lstStyle>
@@ -4006,7 +4178,7 @@
             </a:lvl9pPr>
           </a:lstStyle>
           <a:p>
-            <a:pPr indent="0" lvl="0" marL="0" rtl="0" algn="r">
+            <a:pPr marL="0" lvl="0" indent="0" algn="r" rtl="0">
               <a:spcBef>
                 <a:spcPts val="0"/>
               </a:spcBef>
@@ -4032,11 +4204,11 @@
 </file>
 
 <file path=ppt/slideLayouts/slideLayout9.xml><?xml version="1.0" encoding="utf-8"?>
-<p:sldLayout xmlns:a="http://schemas.openxmlformats.org/drawingml/2006/main" xmlns:r="http://schemas.openxmlformats.org/officeDocument/2006/relationships" xmlns:mc="http://schemas.openxmlformats.org/markup-compatibility/2006" xmlns:mv="urn:schemas-microsoft-com:mac:vml" xmlns:p="http://schemas.openxmlformats.org/presentationml/2006/main" xmlns:c="http://schemas.openxmlformats.org/drawingml/2006/chart" xmlns:dgm="http://schemas.openxmlformats.org/drawingml/2006/diagram" xmlns:o="urn:schemas-microsoft-com:office:office" xmlns:v="urn:schemas-microsoft-com:vml" xmlns:pvml="urn:schemas-microsoft-com:office:powerpoint" xmlns:com="http://schemas.openxmlformats.org/drawingml/2006/compatibility" xmlns:p14="http://schemas.microsoft.com/office/powerpoint/2010/main" xmlns:p15="http://schemas.microsoft.com/office/powerpoint/2012/main" matchingName="Caption">
+<p:sldLayout xmlns:a="http://schemas.openxmlformats.org/drawingml/2006/main" xmlns:r="http://schemas.openxmlformats.org/officeDocument/2006/relationships" xmlns:p="http://schemas.openxmlformats.org/presentationml/2006/main" matchingName="Caption">
   <p:cSld name="CAPTION_ONLY">
     <p:spTree>
       <p:nvGrpSpPr>
-        <p:cNvPr id="41" name="Shape 41"/>
+        <p:cNvPr id="1" name="Shape 41"/>
         <p:cNvGrpSpPr/>
         <p:nvPr/>
       </p:nvGrpSpPr>
@@ -4051,9 +4223,11 @@
       <p:sp>
         <p:nvSpPr>
           <p:cNvPr id="42" name="Google Shape;42;p10"/>
-          <p:cNvSpPr txBox="1"/>
+          <p:cNvSpPr txBox="1">
+            <a:spLocks noGrp="1"/>
+          </p:cNvSpPr>
           <p:nvPr>
-            <p:ph idx="1" type="body"/>
+            <p:ph type="body" idx="1"/>
           </p:nvPr>
         </p:nvSpPr>
         <p:spPr>
@@ -4066,11 +4240,11 @@
           </a:prstGeom>
         </p:spPr>
         <p:txBody>
-          <a:bodyPr anchorCtr="0" anchor="ctr" bIns="91425" lIns="91425" spcFirstLastPara="1" rIns="91425" wrap="square" tIns="91425">
+          <a:bodyPr spcFirstLastPara="1" wrap="square" lIns="91425" tIns="91425" rIns="91425" bIns="91425" anchor="ctr" anchorCtr="0">
             <a:noAutofit/>
           </a:bodyPr>
           <a:lstStyle>
-            <a:lvl1pPr indent="-228600" lvl="0" marL="457200">
+            <a:lvl1pPr marL="457200" lvl="0" indent="-228600">
               <a:lnSpc>
                 <a:spcPct val="100000"/>
               </a:lnSpc>
@@ -4085,15 +4259,19 @@
               <a:defRPr/>
             </a:lvl1pPr>
           </a:lstStyle>
-          <a:p/>
+          <a:p>
+            <a:endParaRPr/>
+          </a:p>
         </p:txBody>
       </p:sp>
       <p:sp>
         <p:nvSpPr>
           <p:cNvPr id="43" name="Google Shape;43;p10"/>
-          <p:cNvSpPr txBox="1"/>
+          <p:cNvSpPr txBox="1">
+            <a:spLocks noGrp="1"/>
+          </p:cNvSpPr>
           <p:nvPr>
-            <p:ph idx="12" type="sldNum"/>
+            <p:ph type="sldNum" idx="12"/>
           </p:nvPr>
         </p:nvSpPr>
         <p:spPr>
@@ -4106,7 +4284,7 @@
           </a:prstGeom>
         </p:spPr>
         <p:txBody>
-          <a:bodyPr anchorCtr="0" anchor="ctr" bIns="91425" lIns="91425" spcFirstLastPara="1" rIns="91425" wrap="square" tIns="91425">
+          <a:bodyPr spcFirstLastPara="1" wrap="square" lIns="91425" tIns="91425" rIns="91425" bIns="91425" anchor="ctr" anchorCtr="0">
             <a:noAutofit/>
           </a:bodyPr>
           <a:lstStyle>
@@ -4148,7 +4326,7 @@
             </a:lvl9pPr>
           </a:lstStyle>
           <a:p>
-            <a:pPr indent="0" lvl="0" marL="0" rtl="0" algn="r">
+            <a:pPr marL="0" lvl="0" indent="0" algn="r" rtl="0">
               <a:spcBef>
                 <a:spcPts val="0"/>
               </a:spcBef>
@@ -4174,18 +4352,19 @@
 </file>
 
 <file path=ppt/slideMasters/slideMaster1.xml><?xml version="1.0" encoding="utf-8"?>
-<p:sldMaster xmlns:a="http://schemas.openxmlformats.org/drawingml/2006/main" xmlns:r="http://schemas.openxmlformats.org/officeDocument/2006/relationships" xmlns:mc="http://schemas.openxmlformats.org/markup-compatibility/2006" xmlns:mv="urn:schemas-microsoft-com:mac:vml" xmlns:p="http://schemas.openxmlformats.org/presentationml/2006/main" xmlns:c="http://schemas.openxmlformats.org/drawingml/2006/chart" xmlns:dgm="http://schemas.openxmlformats.org/drawingml/2006/diagram" xmlns:o="urn:schemas-microsoft-com:office:office" xmlns:v="urn:schemas-microsoft-com:vml" xmlns:pvml="urn:schemas-microsoft-com:office:powerpoint" xmlns:com="http://schemas.openxmlformats.org/drawingml/2006/compatibility" xmlns:p14="http://schemas.microsoft.com/office/powerpoint/2010/main" xmlns:p15="http://schemas.microsoft.com/office/powerpoint/2012/main">
+<p:sldMaster xmlns:a="http://schemas.openxmlformats.org/drawingml/2006/main" xmlns:r="http://schemas.openxmlformats.org/officeDocument/2006/relationships" xmlns:p="http://schemas.openxmlformats.org/presentationml/2006/main">
   <p:cSld name="simple-light-2">
     <p:bg>
       <p:bgPr>
         <a:solidFill>
           <a:schemeClr val="lt1"/>
         </a:solidFill>
+        <a:effectLst/>
       </p:bgPr>
     </p:bg>
     <p:spTree>
       <p:nvGrpSpPr>
-        <p:cNvPr id="5" name="Shape 5"/>
+        <p:cNvPr id="1" name="Shape 5"/>
         <p:cNvGrpSpPr/>
         <p:nvPr/>
       </p:nvGrpSpPr>
@@ -4200,7 +4379,9 @@
       <p:sp>
         <p:nvSpPr>
           <p:cNvPr id="6" name="Google Shape;6;p1"/>
-          <p:cNvSpPr txBox="1"/>
+          <p:cNvSpPr txBox="1">
+            <a:spLocks noGrp="1"/>
+          </p:cNvSpPr>
           <p:nvPr>
             <p:ph type="title"/>
           </p:nvPr>
@@ -4219,7 +4400,7 @@
           </a:ln>
         </p:spPr>
         <p:txBody>
-          <a:bodyPr anchorCtr="0" anchor="t" bIns="91425" lIns="91425" spcFirstLastPara="1" rIns="91425" wrap="square" tIns="91425">
+          <a:bodyPr spcFirstLastPara="1" wrap="square" lIns="91425" tIns="91425" rIns="91425" bIns="91425" anchor="t" anchorCtr="0">
             <a:noAutofit/>
           </a:bodyPr>
           <a:lstStyle>
@@ -4386,15 +4567,19 @@
               </a:defRPr>
             </a:lvl9pPr>
           </a:lstStyle>
-          <a:p/>
+          <a:p>
+            <a:endParaRPr/>
+          </a:p>
         </p:txBody>
       </p:sp>
       <p:sp>
         <p:nvSpPr>
           <p:cNvPr id="7" name="Google Shape;7;p1"/>
-          <p:cNvSpPr txBox="1"/>
+          <p:cNvSpPr txBox="1">
+            <a:spLocks noGrp="1"/>
+          </p:cNvSpPr>
           <p:nvPr>
-            <p:ph idx="1" type="body"/>
+            <p:ph type="body" idx="1"/>
           </p:nvPr>
         </p:nvSpPr>
         <p:spPr>
@@ -4411,11 +4596,11 @@
           </a:ln>
         </p:spPr>
         <p:txBody>
-          <a:bodyPr anchorCtr="0" anchor="t" bIns="91425" lIns="91425" spcFirstLastPara="1" rIns="91425" wrap="square" tIns="91425">
+          <a:bodyPr spcFirstLastPara="1" wrap="square" lIns="91425" tIns="91425" rIns="91425" bIns="91425" anchor="t" anchorCtr="0">
             <a:noAutofit/>
           </a:bodyPr>
           <a:lstStyle>
-            <a:lvl1pPr indent="-342900" lvl="0" marL="457200">
+            <a:lvl1pPr marL="457200" lvl="0" indent="-342900">
               <a:lnSpc>
                 <a:spcPct val="115000"/>
               </a:lnSpc>
@@ -4436,7 +4621,7 @@
                 </a:solidFill>
               </a:defRPr>
             </a:lvl1pPr>
-            <a:lvl2pPr indent="-317500" lvl="1" marL="914400">
+            <a:lvl2pPr marL="914400" lvl="1" indent="-317500">
               <a:lnSpc>
                 <a:spcPct val="115000"/>
               </a:lnSpc>
@@ -4457,7 +4642,7 @@
                 </a:solidFill>
               </a:defRPr>
             </a:lvl2pPr>
-            <a:lvl3pPr indent="-317500" lvl="2" marL="1371600">
+            <a:lvl3pPr marL="1371600" lvl="2" indent="-317500">
               <a:lnSpc>
                 <a:spcPct val="115000"/>
               </a:lnSpc>
@@ -4478,7 +4663,7 @@
                 </a:solidFill>
               </a:defRPr>
             </a:lvl3pPr>
-            <a:lvl4pPr indent="-317500" lvl="3" marL="1828800">
+            <a:lvl4pPr marL="1828800" lvl="3" indent="-317500">
               <a:lnSpc>
                 <a:spcPct val="115000"/>
               </a:lnSpc>
@@ -4499,7 +4684,7 @@
                 </a:solidFill>
               </a:defRPr>
             </a:lvl4pPr>
-            <a:lvl5pPr indent="-317500" lvl="4" marL="2286000">
+            <a:lvl5pPr marL="2286000" lvl="4" indent="-317500">
               <a:lnSpc>
                 <a:spcPct val="115000"/>
               </a:lnSpc>
@@ -4520,7 +4705,7 @@
                 </a:solidFill>
               </a:defRPr>
             </a:lvl5pPr>
-            <a:lvl6pPr indent="-317500" lvl="5" marL="2743200">
+            <a:lvl6pPr marL="2743200" lvl="5" indent="-317500">
               <a:lnSpc>
                 <a:spcPct val="115000"/>
               </a:lnSpc>
@@ -4541,7 +4726,7 @@
                 </a:solidFill>
               </a:defRPr>
             </a:lvl6pPr>
-            <a:lvl7pPr indent="-317500" lvl="6" marL="3200400">
+            <a:lvl7pPr marL="3200400" lvl="6" indent="-317500">
               <a:lnSpc>
                 <a:spcPct val="115000"/>
               </a:lnSpc>
@@ -4562,7 +4747,7 @@
                 </a:solidFill>
               </a:defRPr>
             </a:lvl7pPr>
-            <a:lvl8pPr indent="-317500" lvl="7" marL="3657600">
+            <a:lvl8pPr marL="3657600" lvl="7" indent="-317500">
               <a:lnSpc>
                 <a:spcPct val="115000"/>
               </a:lnSpc>
@@ -4583,7 +4768,7 @@
                 </a:solidFill>
               </a:defRPr>
             </a:lvl8pPr>
-            <a:lvl9pPr indent="-317500" lvl="8" marL="4114800">
+            <a:lvl9pPr marL="4114800" lvl="8" indent="-317500">
               <a:lnSpc>
                 <a:spcPct val="115000"/>
               </a:lnSpc>
@@ -4605,15 +4790,19 @@
               </a:defRPr>
             </a:lvl9pPr>
           </a:lstStyle>
-          <a:p/>
+          <a:p>
+            <a:endParaRPr/>
+          </a:p>
         </p:txBody>
       </p:sp>
       <p:sp>
         <p:nvSpPr>
           <p:cNvPr id="8" name="Google Shape;8;p1"/>
-          <p:cNvSpPr txBox="1"/>
+          <p:cNvSpPr txBox="1">
+            <a:spLocks noGrp="1"/>
+          </p:cNvSpPr>
           <p:nvPr>
-            <p:ph idx="12" type="sldNum"/>
+            <p:ph type="sldNum" idx="12"/>
           </p:nvPr>
         </p:nvSpPr>
         <p:spPr>
@@ -4630,7 +4819,7 @@
           </a:ln>
         </p:spPr>
         <p:txBody>
-          <a:bodyPr anchorCtr="0" anchor="ctr" bIns="91425" lIns="91425" spcFirstLastPara="1" rIns="91425" wrap="square" tIns="91425">
+          <a:bodyPr spcFirstLastPara="1" wrap="square" lIns="91425" tIns="91425" rIns="91425" bIns="91425" anchor="ctr" anchorCtr="0">
             <a:noAutofit/>
           </a:bodyPr>
           <a:lstStyle>
@@ -4708,7 +4897,7 @@
             </a:lvl9pPr>
           </a:lstStyle>
           <a:p>
-            <a:pPr indent="0" lvl="0" marL="0" rtl="0" algn="r">
+            <a:pPr marL="0" lvl="0" indent="0" algn="r" rtl="0">
               <a:spcBef>
                 <a:spcPts val="0"/>
               </a:spcBef>
@@ -4727,7 +4916,7 @@
       </p:sp>
     </p:spTree>
   </p:cSld>
-  <p:clrMap accent1="accent1" accent2="accent2" accent3="accent3" accent4="accent4" accent5="accent5" accent6="accent6" bg1="lt1" bg2="dk2" tx1="dk1" tx2="lt2" folHlink="folHlink" hlink="hlink"/>
+  <p:clrMap bg1="lt1" tx1="dk1" bg2="dk2" tx2="lt2" accent1="accent1" accent2="accent2" accent3="accent3" accent4="accent4" accent5="accent5" accent6="accent6" hlink="hlink" folHlink="folHlink"/>
   <p:sldLayoutIdLst>
     <p:sldLayoutId id="2147483648" r:id="rId1"/>
     <p:sldLayoutId id="2147483649" r:id="rId2"/>
@@ -4741,10 +4930,10 @@
     <p:sldLayoutId id="2147483657" r:id="rId10"/>
     <p:sldLayoutId id="2147483658" r:id="rId11"/>
   </p:sldLayoutIdLst>
-  <p:hf dt="0" ftr="0" hdr="0" sldNum="0"/>
+  <p:hf sldNum="0" hdr="0" ftr="0" dt="0"/>
   <p:txStyles>
     <p:titleStyle>
-      <a:defPPr lvl="0" marR="0" rtl="0" algn="l">
+      <a:defPPr marR="0" lvl="0" algn="l" rtl="0">
         <a:lnSpc>
           <a:spcPct val="100000"/>
         </a:lnSpc>
@@ -4755,7 +4944,7 @@
           <a:spcPts val="0"/>
         </a:spcAft>
       </a:defPPr>
-      <a:lvl1pPr lvl="0" marR="0" rtl="0" algn="l">
+      <a:lvl1pPr marR="0" lvl="0" algn="l" rtl="0">
         <a:lnSpc>
           <a:spcPct val="100000"/>
         </a:lnSpc>
@@ -4769,7 +4958,7 @@
           <a:srgbClr val="000000"/>
         </a:buClr>
         <a:buFont typeface="Arial"/>
-        <a:defRPr b="0" i="0" sz="1400" u="none" cap="none" strike="noStrike">
+        <a:defRPr sz="1400" b="0" i="0" u="none" strike="noStrike" cap="none">
           <a:solidFill>
             <a:srgbClr val="000000"/>
           </a:solidFill>
@@ -4779,7 +4968,7 @@
           <a:sym typeface="Arial"/>
         </a:defRPr>
       </a:lvl1pPr>
-      <a:lvl2pPr lvl="1" marR="0" rtl="0" algn="l">
+      <a:lvl2pPr marR="0" lvl="1" algn="l" rtl="0">
         <a:lnSpc>
           <a:spcPct val="100000"/>
         </a:lnSpc>
@@ -4793,7 +4982,7 @@
           <a:srgbClr val="000000"/>
         </a:buClr>
         <a:buFont typeface="Arial"/>
-        <a:defRPr b="0" i="0" sz="1400" u="none" cap="none" strike="noStrike">
+        <a:defRPr sz="1400" b="0" i="0" u="none" strike="noStrike" cap="none">
           <a:solidFill>
             <a:srgbClr val="000000"/>
           </a:solidFill>
@@ -4803,7 +4992,7 @@
           <a:sym typeface="Arial"/>
         </a:defRPr>
       </a:lvl2pPr>
-      <a:lvl3pPr lvl="2" marR="0" rtl="0" algn="l">
+      <a:lvl3pPr marR="0" lvl="2" algn="l" rtl="0">
         <a:lnSpc>
           <a:spcPct val="100000"/>
         </a:lnSpc>
@@ -4817,7 +5006,7 @@
           <a:srgbClr val="000000"/>
         </a:buClr>
         <a:buFont typeface="Arial"/>
-        <a:defRPr b="0" i="0" sz="1400" u="none" cap="none" strike="noStrike">
+        <a:defRPr sz="1400" b="0" i="0" u="none" strike="noStrike" cap="none">
           <a:solidFill>
             <a:srgbClr val="000000"/>
           </a:solidFill>
@@ -4827,7 +5016,7 @@
           <a:sym typeface="Arial"/>
         </a:defRPr>
       </a:lvl3pPr>
-      <a:lvl4pPr lvl="3" marR="0" rtl="0" algn="l">
+      <a:lvl4pPr marR="0" lvl="3" algn="l" rtl="0">
         <a:lnSpc>
           <a:spcPct val="100000"/>
         </a:lnSpc>
@@ -4841,7 +5030,7 @@
           <a:srgbClr val="000000"/>
         </a:buClr>
         <a:buFont typeface="Arial"/>
-        <a:defRPr b="0" i="0" sz="1400" u="none" cap="none" strike="noStrike">
+        <a:defRPr sz="1400" b="0" i="0" u="none" strike="noStrike" cap="none">
           <a:solidFill>
             <a:srgbClr val="000000"/>
           </a:solidFill>
@@ -4851,7 +5040,7 @@
           <a:sym typeface="Arial"/>
         </a:defRPr>
       </a:lvl4pPr>
-      <a:lvl5pPr lvl="4" marR="0" rtl="0" algn="l">
+      <a:lvl5pPr marR="0" lvl="4" algn="l" rtl="0">
         <a:lnSpc>
           <a:spcPct val="100000"/>
         </a:lnSpc>
@@ -4865,7 +5054,7 @@
           <a:srgbClr val="000000"/>
         </a:buClr>
         <a:buFont typeface="Arial"/>
-        <a:defRPr b="0" i="0" sz="1400" u="none" cap="none" strike="noStrike">
+        <a:defRPr sz="1400" b="0" i="0" u="none" strike="noStrike" cap="none">
           <a:solidFill>
             <a:srgbClr val="000000"/>
           </a:solidFill>
@@ -4875,7 +5064,7 @@
           <a:sym typeface="Arial"/>
         </a:defRPr>
       </a:lvl5pPr>
-      <a:lvl6pPr lvl="5" marR="0" rtl="0" algn="l">
+      <a:lvl6pPr marR="0" lvl="5" algn="l" rtl="0">
         <a:lnSpc>
           <a:spcPct val="100000"/>
         </a:lnSpc>
@@ -4889,7 +5078,7 @@
           <a:srgbClr val="000000"/>
         </a:buClr>
         <a:buFont typeface="Arial"/>
-        <a:defRPr b="0" i="0" sz="1400" u="none" cap="none" strike="noStrike">
+        <a:defRPr sz="1400" b="0" i="0" u="none" strike="noStrike" cap="none">
           <a:solidFill>
             <a:srgbClr val="000000"/>
           </a:solidFill>
@@ -4899,7 +5088,7 @@
           <a:sym typeface="Arial"/>
         </a:defRPr>
       </a:lvl6pPr>
-      <a:lvl7pPr lvl="6" marR="0" rtl="0" algn="l">
+      <a:lvl7pPr marR="0" lvl="6" algn="l" rtl="0">
         <a:lnSpc>
           <a:spcPct val="100000"/>
         </a:lnSpc>
@@ -4913,7 +5102,7 @@
           <a:srgbClr val="000000"/>
         </a:buClr>
         <a:buFont typeface="Arial"/>
-        <a:defRPr b="0" i="0" sz="1400" u="none" cap="none" strike="noStrike">
+        <a:defRPr sz="1400" b="0" i="0" u="none" strike="noStrike" cap="none">
           <a:solidFill>
             <a:srgbClr val="000000"/>
           </a:solidFill>
@@ -4923,7 +5112,7 @@
           <a:sym typeface="Arial"/>
         </a:defRPr>
       </a:lvl7pPr>
-      <a:lvl8pPr lvl="7" marR="0" rtl="0" algn="l">
+      <a:lvl8pPr marR="0" lvl="7" algn="l" rtl="0">
         <a:lnSpc>
           <a:spcPct val="100000"/>
         </a:lnSpc>
@@ -4937,7 +5126,7 @@
           <a:srgbClr val="000000"/>
         </a:buClr>
         <a:buFont typeface="Arial"/>
-        <a:defRPr b="0" i="0" sz="1400" u="none" cap="none" strike="noStrike">
+        <a:defRPr sz="1400" b="0" i="0" u="none" strike="noStrike" cap="none">
           <a:solidFill>
             <a:srgbClr val="000000"/>
           </a:solidFill>
@@ -4947,7 +5136,7 @@
           <a:sym typeface="Arial"/>
         </a:defRPr>
       </a:lvl8pPr>
-      <a:lvl9pPr lvl="8" marR="0" rtl="0" algn="l">
+      <a:lvl9pPr marR="0" lvl="8" algn="l" rtl="0">
         <a:lnSpc>
           <a:spcPct val="100000"/>
         </a:lnSpc>
@@ -4961,7 +5150,7 @@
           <a:srgbClr val="000000"/>
         </a:buClr>
         <a:buFont typeface="Arial"/>
-        <a:defRPr b="0" i="0" sz="1400" u="none" cap="none" strike="noStrike">
+        <a:defRPr sz="1400" b="0" i="0" u="none" strike="noStrike" cap="none">
           <a:solidFill>
             <a:srgbClr val="000000"/>
           </a:solidFill>
@@ -4973,7 +5162,7 @@
       </a:lvl9pPr>
     </p:titleStyle>
     <p:bodyStyle>
-      <a:defPPr lvl="0" marR="0" rtl="0" algn="l">
+      <a:defPPr marR="0" lvl="0" algn="l" rtl="0">
         <a:lnSpc>
           <a:spcPct val="100000"/>
         </a:lnSpc>
@@ -4984,7 +5173,7 @@
           <a:spcPts val="0"/>
         </a:spcAft>
       </a:defPPr>
-      <a:lvl1pPr lvl="0" marR="0" rtl="0" algn="l">
+      <a:lvl1pPr marR="0" lvl="0" algn="l" rtl="0">
         <a:lnSpc>
           <a:spcPct val="100000"/>
         </a:lnSpc>
@@ -4998,7 +5187,7 @@
           <a:srgbClr val="000000"/>
         </a:buClr>
         <a:buFont typeface="Arial"/>
-        <a:defRPr b="0" i="0" sz="1400" u="none" cap="none" strike="noStrike">
+        <a:defRPr sz="1400" b="0" i="0" u="none" strike="noStrike" cap="none">
           <a:solidFill>
             <a:srgbClr val="000000"/>
           </a:solidFill>
@@ -5008,7 +5197,7 @@
           <a:sym typeface="Arial"/>
         </a:defRPr>
       </a:lvl1pPr>
-      <a:lvl2pPr lvl="1" marR="0" rtl="0" algn="l">
+      <a:lvl2pPr marR="0" lvl="1" algn="l" rtl="0">
         <a:lnSpc>
           <a:spcPct val="100000"/>
         </a:lnSpc>
@@ -5022,7 +5211,7 @@
           <a:srgbClr val="000000"/>
         </a:buClr>
         <a:buFont typeface="Arial"/>
-        <a:defRPr b="0" i="0" sz="1400" u="none" cap="none" strike="noStrike">
+        <a:defRPr sz="1400" b="0" i="0" u="none" strike="noStrike" cap="none">
           <a:solidFill>
             <a:srgbClr val="000000"/>
           </a:solidFill>
@@ -5032,7 +5221,7 @@
           <a:sym typeface="Arial"/>
         </a:defRPr>
       </a:lvl2pPr>
-      <a:lvl3pPr lvl="2" marR="0" rtl="0" algn="l">
+      <a:lvl3pPr marR="0" lvl="2" algn="l" rtl="0">
         <a:lnSpc>
           <a:spcPct val="100000"/>
         </a:lnSpc>
@@ -5046,7 +5235,7 @@
           <a:srgbClr val="000000"/>
         </a:buClr>
         <a:buFont typeface="Arial"/>
-        <a:defRPr b="0" i="0" sz="1400" u="none" cap="none" strike="noStrike">
+        <a:defRPr sz="1400" b="0" i="0" u="none" strike="noStrike" cap="none">
           <a:solidFill>
             <a:srgbClr val="000000"/>
           </a:solidFill>
@@ -5056,7 +5245,7 @@
           <a:sym typeface="Arial"/>
         </a:defRPr>
       </a:lvl3pPr>
-      <a:lvl4pPr lvl="3" marR="0" rtl="0" algn="l">
+      <a:lvl4pPr marR="0" lvl="3" algn="l" rtl="0">
         <a:lnSpc>
           <a:spcPct val="100000"/>
         </a:lnSpc>
@@ -5070,7 +5259,7 @@
           <a:srgbClr val="000000"/>
         </a:buClr>
         <a:buFont typeface="Arial"/>
-        <a:defRPr b="0" i="0" sz="1400" u="none" cap="none" strike="noStrike">
+        <a:defRPr sz="1400" b="0" i="0" u="none" strike="noStrike" cap="none">
           <a:solidFill>
             <a:srgbClr val="000000"/>
           </a:solidFill>
@@ -5080,7 +5269,7 @@
           <a:sym typeface="Arial"/>
         </a:defRPr>
       </a:lvl4pPr>
-      <a:lvl5pPr lvl="4" marR="0" rtl="0" algn="l">
+      <a:lvl5pPr marR="0" lvl="4" algn="l" rtl="0">
         <a:lnSpc>
           <a:spcPct val="100000"/>
         </a:lnSpc>
@@ -5094,7 +5283,7 @@
           <a:srgbClr val="000000"/>
         </a:buClr>
         <a:buFont typeface="Arial"/>
-        <a:defRPr b="0" i="0" sz="1400" u="none" cap="none" strike="noStrike">
+        <a:defRPr sz="1400" b="0" i="0" u="none" strike="noStrike" cap="none">
           <a:solidFill>
             <a:srgbClr val="000000"/>
           </a:solidFill>
@@ -5104,7 +5293,7 @@
           <a:sym typeface="Arial"/>
         </a:defRPr>
       </a:lvl5pPr>
-      <a:lvl6pPr lvl="5" marR="0" rtl="0" algn="l">
+      <a:lvl6pPr marR="0" lvl="5" algn="l" rtl="0">
         <a:lnSpc>
           <a:spcPct val="100000"/>
         </a:lnSpc>
@@ -5118,7 +5307,7 @@
           <a:srgbClr val="000000"/>
         </a:buClr>
         <a:buFont typeface="Arial"/>
-        <a:defRPr b="0" i="0" sz="1400" u="none" cap="none" strike="noStrike">
+        <a:defRPr sz="1400" b="0" i="0" u="none" strike="noStrike" cap="none">
           <a:solidFill>
             <a:srgbClr val="000000"/>
           </a:solidFill>
@@ -5128,7 +5317,7 @@
           <a:sym typeface="Arial"/>
         </a:defRPr>
       </a:lvl6pPr>
-      <a:lvl7pPr lvl="6" marR="0" rtl="0" algn="l">
+      <a:lvl7pPr marR="0" lvl="6" algn="l" rtl="0">
         <a:lnSpc>
           <a:spcPct val="100000"/>
         </a:lnSpc>
@@ -5142,7 +5331,7 @@
           <a:srgbClr val="000000"/>
         </a:buClr>
         <a:buFont typeface="Arial"/>
-        <a:defRPr b="0" i="0" sz="1400" u="none" cap="none" strike="noStrike">
+        <a:defRPr sz="1400" b="0" i="0" u="none" strike="noStrike" cap="none">
           <a:solidFill>
             <a:srgbClr val="000000"/>
           </a:solidFill>
@@ -5152,7 +5341,7 @@
           <a:sym typeface="Arial"/>
         </a:defRPr>
       </a:lvl7pPr>
-      <a:lvl8pPr lvl="7" marR="0" rtl="0" algn="l">
+      <a:lvl8pPr marR="0" lvl="7" algn="l" rtl="0">
         <a:lnSpc>
           <a:spcPct val="100000"/>
         </a:lnSpc>
@@ -5166,7 +5355,7 @@
           <a:srgbClr val="000000"/>
         </a:buClr>
         <a:buFont typeface="Arial"/>
-        <a:defRPr b="0" i="0" sz="1400" u="none" cap="none" strike="noStrike">
+        <a:defRPr sz="1400" b="0" i="0" u="none" strike="noStrike" cap="none">
           <a:solidFill>
             <a:srgbClr val="000000"/>
           </a:solidFill>
@@ -5176,7 +5365,7 @@
           <a:sym typeface="Arial"/>
         </a:defRPr>
       </a:lvl8pPr>
-      <a:lvl9pPr lvl="8" marR="0" rtl="0" algn="l">
+      <a:lvl9pPr marR="0" lvl="8" algn="l" rtl="0">
         <a:lnSpc>
           <a:spcPct val="100000"/>
         </a:lnSpc>
@@ -5190,7 +5379,7 @@
           <a:srgbClr val="000000"/>
         </a:buClr>
         <a:buFont typeface="Arial"/>
-        <a:defRPr b="0" i="0" sz="1400" u="none" cap="none" strike="noStrike">
+        <a:defRPr sz="1400" b="0" i="0" u="none" strike="noStrike" cap="none">
           <a:solidFill>
             <a:srgbClr val="000000"/>
           </a:solidFill>
@@ -5202,7 +5391,7 @@
       </a:lvl9pPr>
     </p:bodyStyle>
     <p:otherStyle>
-      <a:defPPr lvl="0" marR="0" rtl="0" algn="l">
+      <a:defPPr marR="0" lvl="0" algn="l" rtl="0">
         <a:lnSpc>
           <a:spcPct val="100000"/>
         </a:lnSpc>
@@ -5213,7 +5402,7 @@
           <a:spcPts val="0"/>
         </a:spcAft>
       </a:defPPr>
-      <a:lvl1pPr lvl="0" marR="0" rtl="0" algn="l">
+      <a:lvl1pPr marR="0" lvl="0" algn="l" rtl="0">
         <a:lnSpc>
           <a:spcPct val="100000"/>
         </a:lnSpc>
@@ -5227,7 +5416,7 @@
           <a:srgbClr val="000000"/>
         </a:buClr>
         <a:buFont typeface="Arial"/>
-        <a:defRPr b="0" i="0" sz="1400" u="none" cap="none" strike="noStrike">
+        <a:defRPr sz="1400" b="0" i="0" u="none" strike="noStrike" cap="none">
           <a:solidFill>
             <a:srgbClr val="000000"/>
           </a:solidFill>
@@ -5237,7 +5426,7 @@
           <a:sym typeface="Arial"/>
         </a:defRPr>
       </a:lvl1pPr>
-      <a:lvl2pPr lvl="1" marR="0" rtl="0" algn="l">
+      <a:lvl2pPr marR="0" lvl="1" algn="l" rtl="0">
         <a:lnSpc>
           <a:spcPct val="100000"/>
         </a:lnSpc>
@@ -5251,7 +5440,7 @@
           <a:srgbClr val="000000"/>
         </a:buClr>
         <a:buFont typeface="Arial"/>
-        <a:defRPr b="0" i="0" sz="1400" u="none" cap="none" strike="noStrike">
+        <a:defRPr sz="1400" b="0" i="0" u="none" strike="noStrike" cap="none">
           <a:solidFill>
             <a:srgbClr val="000000"/>
           </a:solidFill>
@@ -5261,7 +5450,7 @@
           <a:sym typeface="Arial"/>
         </a:defRPr>
       </a:lvl2pPr>
-      <a:lvl3pPr lvl="2" marR="0" rtl="0" algn="l">
+      <a:lvl3pPr marR="0" lvl="2" algn="l" rtl="0">
         <a:lnSpc>
           <a:spcPct val="100000"/>
         </a:lnSpc>
@@ -5275,7 +5464,7 @@
           <a:srgbClr val="000000"/>
         </a:buClr>
         <a:buFont typeface="Arial"/>
-        <a:defRPr b="0" i="0" sz="1400" u="none" cap="none" strike="noStrike">
+        <a:defRPr sz="1400" b="0" i="0" u="none" strike="noStrike" cap="none">
           <a:solidFill>
             <a:srgbClr val="000000"/>
           </a:solidFill>
@@ -5285,7 +5474,7 @@
           <a:sym typeface="Arial"/>
         </a:defRPr>
       </a:lvl3pPr>
-      <a:lvl4pPr lvl="3" marR="0" rtl="0" algn="l">
+      <a:lvl4pPr marR="0" lvl="3" algn="l" rtl="0">
         <a:lnSpc>
           <a:spcPct val="100000"/>
         </a:lnSpc>
@@ -5299,7 +5488,7 @@
           <a:srgbClr val="000000"/>
         </a:buClr>
         <a:buFont typeface="Arial"/>
-        <a:defRPr b="0" i="0" sz="1400" u="none" cap="none" strike="noStrike">
+        <a:defRPr sz="1400" b="0" i="0" u="none" strike="noStrike" cap="none">
           <a:solidFill>
             <a:srgbClr val="000000"/>
           </a:solidFill>
@@ -5309,7 +5498,7 @@
           <a:sym typeface="Arial"/>
         </a:defRPr>
       </a:lvl4pPr>
-      <a:lvl5pPr lvl="4" marR="0" rtl="0" algn="l">
+      <a:lvl5pPr marR="0" lvl="4" algn="l" rtl="0">
         <a:lnSpc>
           <a:spcPct val="100000"/>
         </a:lnSpc>
@@ -5323,7 +5512,7 @@
           <a:srgbClr val="000000"/>
         </a:buClr>
         <a:buFont typeface="Arial"/>
-        <a:defRPr b="0" i="0" sz="1400" u="none" cap="none" strike="noStrike">
+        <a:defRPr sz="1400" b="0" i="0" u="none" strike="noStrike" cap="none">
           <a:solidFill>
             <a:srgbClr val="000000"/>
           </a:solidFill>
@@ -5333,7 +5522,7 @@
           <a:sym typeface="Arial"/>
         </a:defRPr>
       </a:lvl5pPr>
-      <a:lvl6pPr lvl="5" marR="0" rtl="0" algn="l">
+      <a:lvl6pPr marR="0" lvl="5" algn="l" rtl="0">
         <a:lnSpc>
           <a:spcPct val="100000"/>
         </a:lnSpc>
@@ -5347,7 +5536,7 @@
           <a:srgbClr val="000000"/>
         </a:buClr>
         <a:buFont typeface="Arial"/>
-        <a:defRPr b="0" i="0" sz="1400" u="none" cap="none" strike="noStrike">
+        <a:defRPr sz="1400" b="0" i="0" u="none" strike="noStrike" cap="none">
           <a:solidFill>
             <a:srgbClr val="000000"/>
           </a:solidFill>
@@ -5357,7 +5546,7 @@
           <a:sym typeface="Arial"/>
         </a:defRPr>
       </a:lvl6pPr>
-      <a:lvl7pPr lvl="6" marR="0" rtl="0" algn="l">
+      <a:lvl7pPr marR="0" lvl="6" algn="l" rtl="0">
         <a:lnSpc>
           <a:spcPct val="100000"/>
         </a:lnSpc>
@@ -5371,7 +5560,7 @@
           <a:srgbClr val="000000"/>
         </a:buClr>
         <a:buFont typeface="Arial"/>
-        <a:defRPr b="0" i="0" sz="1400" u="none" cap="none" strike="noStrike">
+        <a:defRPr sz="1400" b="0" i="0" u="none" strike="noStrike" cap="none">
           <a:solidFill>
             <a:srgbClr val="000000"/>
           </a:solidFill>
@@ -5381,7 +5570,7 @@
           <a:sym typeface="Arial"/>
         </a:defRPr>
       </a:lvl7pPr>
-      <a:lvl8pPr lvl="7" marR="0" rtl="0" algn="l">
+      <a:lvl8pPr marR="0" lvl="7" algn="l" rtl="0">
         <a:lnSpc>
           <a:spcPct val="100000"/>
         </a:lnSpc>
@@ -5395,7 +5584,7 @@
           <a:srgbClr val="000000"/>
         </a:buClr>
         <a:buFont typeface="Arial"/>
-        <a:defRPr b="0" i="0" sz="1400" u="none" cap="none" strike="noStrike">
+        <a:defRPr sz="1400" b="0" i="0" u="none" strike="noStrike" cap="none">
           <a:solidFill>
             <a:srgbClr val="000000"/>
           </a:solidFill>
@@ -5405,7 +5594,7 @@
           <a:sym typeface="Arial"/>
         </a:defRPr>
       </a:lvl8pPr>
-      <a:lvl9pPr lvl="8" marR="0" rtl="0" algn="l">
+      <a:lvl9pPr marR="0" lvl="8" algn="l" rtl="0">
         <a:lnSpc>
           <a:spcPct val="100000"/>
         </a:lnSpc>
@@ -5419,7 +5608,7 @@
           <a:srgbClr val="000000"/>
         </a:buClr>
         <a:buFont typeface="Arial"/>
-        <a:defRPr b="0" i="0" sz="1400" u="none" cap="none" strike="noStrike">
+        <a:defRPr sz="1400" b="0" i="0" u="none" strike="noStrike" cap="none">
           <a:solidFill>
             <a:srgbClr val="000000"/>
           </a:solidFill>
@@ -5435,11 +5624,81 @@
 </file>
 
 <file path=ppt/slides/slide1.xml><?xml version="1.0" encoding="utf-8"?>
-<p:sld xmlns:a="http://schemas.openxmlformats.org/drawingml/2006/main" xmlns:r="http://schemas.openxmlformats.org/officeDocument/2006/relationships" xmlns:mc="http://schemas.openxmlformats.org/markup-compatibility/2006" xmlns:mv="urn:schemas-microsoft-com:mac:vml" xmlns:p="http://schemas.openxmlformats.org/presentationml/2006/main" xmlns:c="http://schemas.openxmlformats.org/drawingml/2006/chart" xmlns:dgm="http://schemas.openxmlformats.org/drawingml/2006/diagram" xmlns:o="urn:schemas-microsoft-com:office:office" xmlns:v="urn:schemas-microsoft-com:vml" xmlns:pvml="urn:schemas-microsoft-com:office:powerpoint" xmlns:com="http://schemas.openxmlformats.org/drawingml/2006/compatibility" xmlns:p14="http://schemas.microsoft.com/office/powerpoint/2010/main" xmlns:p15="http://schemas.microsoft.com/office/powerpoint/2012/main">
+<p:sld xmlns:a="http://schemas.openxmlformats.org/drawingml/2006/main" xmlns:r="http://schemas.openxmlformats.org/officeDocument/2006/relationships" xmlns:p="http://schemas.openxmlformats.org/presentationml/2006/main">
   <p:cSld>
     <p:spTree>
       <p:nvGrpSpPr>
-        <p:cNvPr id="53" name="Shape 53"/>
+        <p:cNvPr id="1" name=""/>
+        <p:cNvGrpSpPr/>
+        <p:nvPr/>
+      </p:nvGrpSpPr>
+      <p:grpSpPr>
+        <a:xfrm>
+          <a:off x="0" y="0"/>
+          <a:ext cx="0" cy="0"/>
+          <a:chOff x="0" y="0"/>
+          <a:chExt cx="0" cy="0"/>
+        </a:xfrm>
+      </p:grpSpPr>
+      <p:sp>
+        <p:nvSpPr>
+          <p:cNvPr id="2" name="Title 1"/>
+          <p:cNvSpPr>
+            <a:spLocks noGrp="1"/>
+          </p:cNvSpPr>
+          <p:nvPr>
+            <p:ph type="title"/>
+          </p:nvPr>
+        </p:nvSpPr>
+        <p:spPr>
+          <a:xfrm>
+            <a:off x="3210127" y="1907659"/>
+            <a:ext cx="2743201" cy="841800"/>
+          </a:xfrm>
+        </p:spPr>
+        <p:txBody>
+          <a:bodyPr/>
+          <a:lstStyle/>
+          <a:p>
+            <a:r>
+              <a:rPr lang="en-IN" b="1" dirty="0" err="1" smtClean="0">
+                <a:solidFill>
+                  <a:schemeClr val="accent1">
+                    <a:lumMod val="75000"/>
+                  </a:schemeClr>
+                </a:solidFill>
+              </a:rPr>
+              <a:t>DevSecOps</a:t>
+            </a:r>
+            <a:endParaRPr lang="en-IN" b="1" dirty="0">
+              <a:solidFill>
+                <a:schemeClr val="accent1">
+                  <a:lumMod val="75000"/>
+                </a:schemeClr>
+              </a:solidFill>
+            </a:endParaRPr>
+          </a:p>
+        </p:txBody>
+      </p:sp>
+    </p:spTree>
+    <p:extLst>
+      <p:ext uri="{BB962C8B-B14F-4D97-AF65-F5344CB8AC3E}">
+        <p14:creationId xmlns:p14="http://schemas.microsoft.com/office/powerpoint/2010/main" val="1791871327"/>
+      </p:ext>
+    </p:extLst>
+  </p:cSld>
+  <p:clrMapOvr>
+    <a:masterClrMapping/>
+  </p:clrMapOvr>
+</p:sld>
+</file>
+
+<file path=ppt/slides/slide2.xml><?xml version="1.0" encoding="utf-8"?>
+<p:sld xmlns:a="http://schemas.openxmlformats.org/drawingml/2006/main" xmlns:r="http://schemas.openxmlformats.org/officeDocument/2006/relationships" xmlns:p="http://schemas.openxmlformats.org/presentationml/2006/main">
+  <p:cSld>
+    <p:spTree>
+      <p:nvGrpSpPr>
+        <p:cNvPr id="1" name="Shape 53"/>
         <p:cNvGrpSpPr/>
         <p:nvPr/>
       </p:nvGrpSpPr>
@@ -5459,7 +5718,7 @@
         </p:nvSpPr>
         <p:spPr>
           <a:xfrm>
-            <a:off x="2441363" y="2111425"/>
+            <a:off x="2441363" y="1498582"/>
             <a:ext cx="1308000" cy="597600"/>
           </a:xfrm>
           <a:prstGeom prst="rect">
@@ -5473,12 +5732,12 @@
           </a:ln>
         </p:spPr>
         <p:txBody>
-          <a:bodyPr anchorCtr="0" anchor="ctr" bIns="91425" lIns="91425" spcFirstLastPara="1" rIns="91425" wrap="square" tIns="91425">
+          <a:bodyPr spcFirstLastPara="1" wrap="square" lIns="91425" tIns="91425" rIns="91425" bIns="91425" anchor="ctr" anchorCtr="0">
             <a:noAutofit/>
           </a:bodyPr>
           <a:lstStyle/>
           <a:p>
-            <a:pPr indent="0" lvl="0" marL="0" rtl="0" algn="ctr">
+            <a:pPr marL="0" lvl="0" indent="0" algn="ctr" rtl="0">
               <a:spcBef>
                 <a:spcPts val="0"/>
               </a:spcBef>
@@ -5503,7 +5762,7 @@
         </p:nvSpPr>
         <p:spPr>
           <a:xfrm>
-            <a:off x="6805175" y="2111425"/>
+            <a:off x="6805175" y="1498582"/>
             <a:ext cx="1666500" cy="597600"/>
           </a:xfrm>
           <a:prstGeom prst="rect">
@@ -5517,12 +5776,12 @@
           </a:ln>
         </p:spPr>
         <p:txBody>
-          <a:bodyPr anchorCtr="0" anchor="ctr" bIns="91425" lIns="91425" spcFirstLastPara="1" rIns="91425" wrap="square" tIns="91425">
+          <a:bodyPr spcFirstLastPara="1" wrap="square" lIns="91425" tIns="91425" rIns="91425" bIns="91425" anchor="ctr" anchorCtr="0">
             <a:noAutofit/>
           </a:bodyPr>
           <a:lstStyle/>
           <a:p>
-            <a:pPr indent="0" lvl="0" marL="0" rtl="0" algn="ctr">
+            <a:pPr marL="0" lvl="0" indent="0" algn="ctr" rtl="0">
               <a:spcBef>
                 <a:spcPts val="0"/>
               </a:spcBef>
@@ -5547,7 +5806,7 @@
         </p:nvSpPr>
         <p:spPr>
           <a:xfrm>
-            <a:off x="4623263" y="2111425"/>
+            <a:off x="4623263" y="1498582"/>
             <a:ext cx="1308000" cy="597600"/>
           </a:xfrm>
           <a:prstGeom prst="rect">
@@ -5561,12 +5820,12 @@
           </a:ln>
         </p:spPr>
         <p:txBody>
-          <a:bodyPr anchorCtr="0" anchor="ctr" bIns="91425" lIns="91425" spcFirstLastPara="1" rIns="91425" wrap="square" tIns="91425">
+          <a:bodyPr spcFirstLastPara="1" wrap="square" lIns="91425" tIns="91425" rIns="91425" bIns="91425" anchor="ctr" anchorCtr="0">
             <a:noAutofit/>
           </a:bodyPr>
           <a:lstStyle/>
           <a:p>
-            <a:pPr indent="0" lvl="0" marL="0" rtl="0" algn="ctr">
+            <a:pPr marL="0" lvl="0" indent="0" algn="ctr" rtl="0">
               <a:spcBef>
                 <a:spcPts val="0"/>
               </a:spcBef>
@@ -5591,7 +5850,7 @@
         </p:nvSpPr>
         <p:spPr>
           <a:xfrm>
-            <a:off x="298375" y="1574400"/>
+            <a:off x="298375" y="961557"/>
             <a:ext cx="1308000" cy="597600"/>
           </a:xfrm>
           <a:prstGeom prst="rect">
@@ -5605,12 +5864,12 @@
           </a:ln>
         </p:spPr>
         <p:txBody>
-          <a:bodyPr anchorCtr="0" anchor="ctr" bIns="91425" lIns="91425" spcFirstLastPara="1" rIns="91425" wrap="square" tIns="91425">
+          <a:bodyPr spcFirstLastPara="1" wrap="square" lIns="91425" tIns="91425" rIns="91425" bIns="91425" anchor="ctr" anchorCtr="0">
             <a:noAutofit/>
           </a:bodyPr>
           <a:lstStyle/>
           <a:p>
-            <a:pPr indent="0" lvl="0" marL="0" rtl="0" algn="ctr">
+            <a:pPr marL="0" lvl="0" indent="0" algn="ctr" rtl="0">
               <a:spcBef>
                 <a:spcPts val="0"/>
               </a:spcBef>
@@ -5635,7 +5894,7 @@
         </p:nvSpPr>
         <p:spPr>
           <a:xfrm>
-            <a:off x="298375" y="2672300"/>
+            <a:off x="298375" y="2059457"/>
             <a:ext cx="1308000" cy="597600"/>
           </a:xfrm>
           <a:prstGeom prst="rect">
@@ -5649,12 +5908,12 @@
           </a:ln>
         </p:spPr>
         <p:txBody>
-          <a:bodyPr anchorCtr="0" anchor="ctr" bIns="91425" lIns="91425" spcFirstLastPara="1" rIns="91425" wrap="square" tIns="91425">
+          <a:bodyPr spcFirstLastPara="1" wrap="square" lIns="91425" tIns="91425" rIns="91425" bIns="91425" anchor="ctr" anchorCtr="0">
             <a:noAutofit/>
           </a:bodyPr>
           <a:lstStyle/>
           <a:p>
-            <a:pPr indent="0" lvl="0" marL="0" rtl="0" algn="ctr">
+            <a:pPr marL="0" lvl="0" indent="0" algn="ctr" rtl="0">
               <a:spcBef>
                 <a:spcPts val="0"/>
               </a:spcBef>
@@ -5665,11 +5924,7 @@
             </a:pPr>
             <a:r>
               <a:rPr lang="en" sz="1000"/>
-              <a:t>Infrastructure</a:t>
-            </a:r>
-            <a:r>
-              <a:rPr lang="en" sz="1000"/>
-              <a:t> code change</a:t>
+              <a:t>Infrastructure code change</a:t>
             </a:r>
             <a:endParaRPr sz="1000"/>
           </a:p>
@@ -5686,21 +5941,21 @@
         </p:nvCxnSpPr>
         <p:spPr>
           <a:xfrm>
-            <a:off x="1606375" y="1873200"/>
+            <a:off x="1606375" y="1260357"/>
             <a:ext cx="1488900" cy="238200"/>
           </a:xfrm>
           <a:prstGeom prst="bentConnector2">
             <a:avLst/>
           </a:prstGeom>
           <a:noFill/>
-          <a:ln cap="flat" cmpd="sng" w="9525">
+          <a:ln w="9525" cap="flat" cmpd="sng">
             <a:solidFill>
               <a:schemeClr val="dk2"/>
             </a:solidFill>
             <a:prstDash val="solid"/>
             <a:round/>
-            <a:headEnd len="med" w="med" type="none"/>
-            <a:tailEnd len="med" w="med" type="triangle"/>
+            <a:headEnd type="none" w="med" len="med"/>
+            <a:tailEnd type="triangle" w="med" len="med"/>
           </a:ln>
         </p:spPr>
       </p:cxnSp>
@@ -5714,22 +5969,22 @@
           <p:nvPr/>
         </p:nvCxnSpPr>
         <p:spPr>
-          <a:xfrm flipH="1" rot="10800000">
-            <a:off x="1606375" y="2708900"/>
+          <a:xfrm rot="10800000" flipH="1">
+            <a:off x="1606375" y="2096057"/>
             <a:ext cx="3670800" cy="262200"/>
           </a:xfrm>
           <a:prstGeom prst="bentConnector2">
             <a:avLst/>
           </a:prstGeom>
           <a:noFill/>
-          <a:ln cap="flat" cmpd="sng" w="9525">
+          <a:ln w="9525" cap="flat" cmpd="sng">
             <a:solidFill>
               <a:schemeClr val="dk2"/>
             </a:solidFill>
             <a:prstDash val="solid"/>
             <a:round/>
-            <a:headEnd len="med" w="med" type="none"/>
-            <a:tailEnd len="med" w="med" type="triangle"/>
+            <a:headEnd type="none" w="med" len="med"/>
+            <a:tailEnd type="triangle" w="med" len="med"/>
           </a:ln>
         </p:spPr>
       </p:cxnSp>
@@ -5744,23 +5999,23 @@
         </p:nvCxnSpPr>
         <p:spPr>
           <a:xfrm>
-            <a:off x="3749363" y="2410225"/>
+            <a:off x="3749363" y="1797382"/>
             <a:ext cx="873900" cy="600"/>
           </a:xfrm>
           <a:prstGeom prst="bentConnector3">
             <a:avLst>
-              <a:gd fmla="val 50000" name="adj1"/>
+              <a:gd name="adj1" fmla="val 50000"/>
             </a:avLst>
           </a:prstGeom>
           <a:noFill/>
-          <a:ln cap="flat" cmpd="sng" w="9525">
+          <a:ln w="9525" cap="flat" cmpd="sng">
             <a:solidFill>
               <a:schemeClr val="dk2"/>
             </a:solidFill>
             <a:prstDash val="solid"/>
             <a:round/>
-            <a:headEnd len="med" w="med" type="none"/>
-            <a:tailEnd len="med" w="med" type="triangle"/>
+            <a:headEnd type="none" w="med" len="med"/>
+            <a:tailEnd type="triangle" w="med" len="med"/>
           </a:ln>
         </p:spPr>
       </p:cxnSp>
@@ -5775,26 +6030,173 @@
         </p:nvCxnSpPr>
         <p:spPr>
           <a:xfrm>
-            <a:off x="5931263" y="2410225"/>
+            <a:off x="5931263" y="1797382"/>
             <a:ext cx="873900" cy="600"/>
           </a:xfrm>
           <a:prstGeom prst="bentConnector3">
             <a:avLst>
-              <a:gd fmla="val 50001" name="adj1"/>
+              <a:gd name="adj1" fmla="val 50001"/>
             </a:avLst>
           </a:prstGeom>
           <a:noFill/>
-          <a:ln cap="flat" cmpd="sng" w="9525">
+          <a:ln w="9525" cap="flat" cmpd="sng">
             <a:solidFill>
               <a:schemeClr val="dk2"/>
             </a:solidFill>
             <a:prstDash val="solid"/>
             <a:round/>
-            <a:headEnd len="med" w="med" type="none"/>
-            <a:tailEnd len="med" w="med" type="triangle"/>
+            <a:headEnd type="none" w="med" len="med"/>
+            <a:tailEnd type="triangle" w="med" len="med"/>
           </a:ln>
         </p:spPr>
       </p:cxnSp>
+      <p:sp>
+        <p:nvSpPr>
+          <p:cNvPr id="2" name="Rectangle 1"/>
+          <p:cNvSpPr/>
+          <p:nvPr/>
+        </p:nvSpPr>
+        <p:spPr>
+          <a:xfrm>
+            <a:off x="466927" y="2895158"/>
+            <a:ext cx="8482520" cy="1384995"/>
+          </a:xfrm>
+          <a:prstGeom prst="rect">
+            <a:avLst/>
+          </a:prstGeom>
+        </p:spPr>
+        <p:txBody>
+          <a:bodyPr wrap="square">
+            <a:spAutoFit/>
+          </a:bodyPr>
+          <a:lstStyle/>
+          <a:p>
+            <a:r>
+              <a:rPr lang="en-US" dirty="0">
+                <a:solidFill>
+                  <a:srgbClr val="002060"/>
+                </a:solidFill>
+                <a:latin typeface="+mn-lt"/>
+              </a:rPr>
+              <a:t>The high-level steps are as follows:</a:t>
+            </a:r>
+          </a:p>
+          <a:p>
+            <a:pPr>
+              <a:buFont typeface="+mj-lt"/>
+              <a:buAutoNum type="arabicPeriod"/>
+            </a:pPr>
+            <a:r>
+              <a:rPr lang="en-US" dirty="0">
+                <a:solidFill>
+                  <a:srgbClr val="002060"/>
+                </a:solidFill>
+                <a:latin typeface="+mn-lt"/>
+              </a:rPr>
+              <a:t>The user makes a change to the application code or OS configuration for a service.</a:t>
+            </a:r>
+          </a:p>
+          <a:p>
+            <a:pPr>
+              <a:buFont typeface="+mj-lt"/>
+              <a:buAutoNum type="arabicPeriod"/>
+            </a:pPr>
+            <a:r>
+              <a:rPr lang="en-US" dirty="0">
+                <a:solidFill>
+                  <a:srgbClr val="002060"/>
+                </a:solidFill>
+                <a:latin typeface="+mn-lt"/>
+              </a:rPr>
+              <a:t>Once the change is committed to source, a build is kicked off resulting in an AMI or a container image.</a:t>
+            </a:r>
+          </a:p>
+          <a:p>
+            <a:pPr>
+              <a:buFont typeface="+mj-lt"/>
+              <a:buAutoNum type="arabicPeriod"/>
+            </a:pPr>
+            <a:r>
+              <a:rPr lang="en-US" dirty="0">
+                <a:solidFill>
+                  <a:srgbClr val="002060"/>
+                </a:solidFill>
+                <a:latin typeface="+mn-lt"/>
+              </a:rPr>
+              <a:t>The infrastructure as code is updated with the new AMI or container image to use.</a:t>
+            </a:r>
+          </a:p>
+          <a:p>
+            <a:pPr>
+              <a:buFont typeface="+mj-lt"/>
+              <a:buAutoNum type="arabicPeriod"/>
+            </a:pPr>
+            <a:r>
+              <a:rPr lang="en-US" dirty="0">
+                <a:solidFill>
+                  <a:srgbClr val="002060"/>
+                </a:solidFill>
+                <a:latin typeface="+mn-lt"/>
+              </a:rPr>
+              <a:t>Changes to cloud configuration or infrastructure as code may have also been committed.</a:t>
+            </a:r>
+          </a:p>
+          <a:p>
+            <a:pPr>
+              <a:buFont typeface="+mj-lt"/>
+              <a:buAutoNum type="arabicPeriod"/>
+            </a:pPr>
+            <a:r>
+              <a:rPr lang="en-US" dirty="0">
+                <a:solidFill>
+                  <a:srgbClr val="002060"/>
+                </a:solidFill>
+                <a:latin typeface="+mn-lt"/>
+              </a:rPr>
+              <a:t>A deployment to the environment ensues applying the changes</a:t>
+            </a:r>
+          </a:p>
+        </p:txBody>
+      </p:sp>
+      <p:sp>
+        <p:nvSpPr>
+          <p:cNvPr id="3" name="Rectangle 2"/>
+          <p:cNvSpPr/>
+          <p:nvPr/>
+        </p:nvSpPr>
+        <p:spPr>
+          <a:xfrm>
+            <a:off x="298375" y="259081"/>
+            <a:ext cx="1912703" cy="461665"/>
+          </a:xfrm>
+          <a:prstGeom prst="rect">
+            <a:avLst/>
+          </a:prstGeom>
+        </p:spPr>
+        <p:txBody>
+          <a:bodyPr wrap="none">
+            <a:spAutoFit/>
+          </a:bodyPr>
+          <a:lstStyle/>
+          <a:p>
+            <a:r>
+              <a:rPr lang="en-IN" sz="2400" dirty="0" err="1" smtClean="0">
+                <a:solidFill>
+                  <a:schemeClr val="accent1">
+                    <a:lumMod val="75000"/>
+                  </a:schemeClr>
+                </a:solidFill>
+              </a:rPr>
+              <a:t>DevSecOps</a:t>
+            </a:r>
+            <a:r>
+              <a:rPr lang="en-IN" sz="2400" dirty="0" smtClean="0"/>
+              <a:t> </a:t>
+            </a:r>
+            <a:endParaRPr lang="en-IN" sz="2400" dirty="0"/>
+          </a:p>
+        </p:txBody>
+      </p:sp>
     </p:spTree>
   </p:cSld>
   <p:clrMapOvr>
@@ -5803,8 +6205,559 @@
 </p:sld>
 </file>
 
+<file path=ppt/slides/slide3.xml><?xml version="1.0" encoding="utf-8"?>
+<p:sld xmlns:a="http://schemas.openxmlformats.org/drawingml/2006/main" xmlns:r="http://schemas.openxmlformats.org/officeDocument/2006/relationships" xmlns:p="http://schemas.openxmlformats.org/presentationml/2006/main">
+  <p:cSld>
+    <p:spTree>
+      <p:nvGrpSpPr>
+        <p:cNvPr id="1" name=""/>
+        <p:cNvGrpSpPr/>
+        <p:nvPr/>
+      </p:nvGrpSpPr>
+      <p:grpSpPr>
+        <a:xfrm>
+          <a:off x="0" y="0"/>
+          <a:ext cx="0" cy="0"/>
+          <a:chOff x="0" y="0"/>
+          <a:chExt cx="0" cy="0"/>
+        </a:xfrm>
+      </p:grpSpPr>
+      <p:pic>
+        <p:nvPicPr>
+          <p:cNvPr id="5" name="Picture 4"/>
+          <p:cNvPicPr>
+            <a:picLocks noChangeAspect="1"/>
+          </p:cNvPicPr>
+          <p:nvPr/>
+        </p:nvPicPr>
+        <p:blipFill>
+          <a:blip r:embed="rId3"/>
+          <a:stretch>
+            <a:fillRect/>
+          </a:stretch>
+        </p:blipFill>
+        <p:spPr>
+          <a:xfrm>
+            <a:off x="157313" y="938368"/>
+            <a:ext cx="8734425" cy="1201718"/>
+          </a:xfrm>
+          <a:prstGeom prst="rect">
+            <a:avLst/>
+          </a:prstGeom>
+        </p:spPr>
+      </p:pic>
+      <p:pic>
+        <p:nvPicPr>
+          <p:cNvPr id="6" name="Picture 5"/>
+          <p:cNvPicPr>
+            <a:picLocks noChangeAspect="1"/>
+          </p:cNvPicPr>
+          <p:nvPr/>
+        </p:nvPicPr>
+        <p:blipFill>
+          <a:blip r:embed="rId4"/>
+          <a:stretch>
+            <a:fillRect/>
+          </a:stretch>
+        </p:blipFill>
+        <p:spPr>
+          <a:xfrm>
+            <a:off x="279468" y="2451419"/>
+            <a:ext cx="8562975" cy="2227634"/>
+          </a:xfrm>
+          <a:prstGeom prst="rect">
+            <a:avLst/>
+          </a:prstGeom>
+        </p:spPr>
+      </p:pic>
+      <p:sp>
+        <p:nvSpPr>
+          <p:cNvPr id="7" name="TextBox 6"/>
+          <p:cNvSpPr txBox="1"/>
+          <p:nvPr/>
+        </p:nvSpPr>
+        <p:spPr>
+          <a:xfrm>
+            <a:off x="206609" y="165370"/>
+            <a:ext cx="8635834" cy="461665"/>
+          </a:xfrm>
+          <a:prstGeom prst="rect">
+            <a:avLst/>
+          </a:prstGeom>
+          <a:noFill/>
+        </p:spPr>
+        <p:txBody>
+          <a:bodyPr wrap="square" rtlCol="0">
+            <a:spAutoFit/>
+          </a:bodyPr>
+          <a:lstStyle/>
+          <a:p>
+            <a:r>
+              <a:rPr lang="en-IN" sz="2400" dirty="0" err="1" smtClean="0">
+                <a:solidFill>
+                  <a:schemeClr val="accent1">
+                    <a:lumMod val="75000"/>
+                  </a:schemeClr>
+                </a:solidFill>
+              </a:rPr>
+              <a:t>DevSecOps</a:t>
+            </a:r>
+            <a:r>
+              <a:rPr lang="en-IN" sz="2400" dirty="0" smtClean="0">
+                <a:solidFill>
+                  <a:schemeClr val="accent1">
+                    <a:lumMod val="75000"/>
+                  </a:schemeClr>
+                </a:solidFill>
+              </a:rPr>
+              <a:t> – Build Security in the CI/CD Pipeline</a:t>
+            </a:r>
+            <a:endParaRPr lang="en-IN" sz="2400" dirty="0">
+              <a:solidFill>
+                <a:schemeClr val="accent1">
+                  <a:lumMod val="75000"/>
+                </a:schemeClr>
+              </a:solidFill>
+            </a:endParaRPr>
+          </a:p>
+        </p:txBody>
+      </p:sp>
+    </p:spTree>
+    <p:extLst>
+      <p:ext uri="{BB962C8B-B14F-4D97-AF65-F5344CB8AC3E}">
+        <p14:creationId xmlns:p14="http://schemas.microsoft.com/office/powerpoint/2010/main" val="342878260"/>
+      </p:ext>
+    </p:extLst>
+  </p:cSld>
+  <p:clrMapOvr>
+    <a:masterClrMapping/>
+  </p:clrMapOvr>
+</p:sld>
+</file>
+
+<file path=ppt/slides/slide4.xml><?xml version="1.0" encoding="utf-8"?>
+<p:sld xmlns:a="http://schemas.openxmlformats.org/drawingml/2006/main" xmlns:r="http://schemas.openxmlformats.org/officeDocument/2006/relationships" xmlns:p="http://schemas.openxmlformats.org/presentationml/2006/main">
+  <p:cSld>
+    <p:spTree>
+      <p:nvGrpSpPr>
+        <p:cNvPr id="1" name=""/>
+        <p:cNvGrpSpPr/>
+        <p:nvPr/>
+      </p:nvGrpSpPr>
+      <p:grpSpPr>
+        <a:xfrm>
+          <a:off x="0" y="0"/>
+          <a:ext cx="0" cy="0"/>
+          <a:chOff x="0" y="0"/>
+          <a:chExt cx="0" cy="0"/>
+        </a:xfrm>
+      </p:grpSpPr>
+      <p:sp>
+        <p:nvSpPr>
+          <p:cNvPr id="4" name="TextBox 3"/>
+          <p:cNvSpPr txBox="1"/>
+          <p:nvPr/>
+        </p:nvSpPr>
+        <p:spPr>
+          <a:xfrm>
+            <a:off x="194553" y="0"/>
+            <a:ext cx="6040876" cy="369332"/>
+          </a:xfrm>
+          <a:prstGeom prst="rect">
+            <a:avLst/>
+          </a:prstGeom>
+          <a:noFill/>
+        </p:spPr>
+        <p:txBody>
+          <a:bodyPr wrap="square" rtlCol="0">
+            <a:spAutoFit/>
+          </a:bodyPr>
+          <a:lstStyle/>
+          <a:p>
+            <a:r>
+              <a:rPr lang="en-IN" sz="1800" dirty="0" smtClean="0">
+                <a:solidFill>
+                  <a:schemeClr val="accent1">
+                    <a:lumMod val="75000"/>
+                  </a:schemeClr>
+                </a:solidFill>
+              </a:rPr>
+              <a:t>Tools – </a:t>
+            </a:r>
+            <a:r>
+              <a:rPr lang="en-IN" sz="1800" dirty="0" err="1" smtClean="0">
+                <a:solidFill>
+                  <a:schemeClr val="accent1">
+                    <a:lumMod val="75000"/>
+                  </a:schemeClr>
+                </a:solidFill>
+              </a:rPr>
+              <a:t>DevSecOps</a:t>
+            </a:r>
+            <a:r>
+              <a:rPr lang="en-IN" sz="1800" dirty="0" smtClean="0">
+                <a:solidFill>
+                  <a:schemeClr val="accent1">
+                    <a:lumMod val="75000"/>
+                  </a:schemeClr>
+                </a:solidFill>
+              </a:rPr>
+              <a:t> Pipeline</a:t>
+            </a:r>
+            <a:endParaRPr lang="en-IN" sz="1800" dirty="0">
+              <a:solidFill>
+                <a:schemeClr val="accent1">
+                  <a:lumMod val="75000"/>
+                </a:schemeClr>
+              </a:solidFill>
+            </a:endParaRPr>
+          </a:p>
+        </p:txBody>
+      </p:sp>
+      <p:pic>
+        <p:nvPicPr>
+          <p:cNvPr id="6" name="Picture 5"/>
+          <p:cNvPicPr>
+            <a:picLocks noChangeAspect="1"/>
+          </p:cNvPicPr>
+          <p:nvPr/>
+        </p:nvPicPr>
+        <p:blipFill>
+          <a:blip r:embed="rId2"/>
+          <a:stretch>
+            <a:fillRect/>
+          </a:stretch>
+        </p:blipFill>
+        <p:spPr>
+          <a:xfrm>
+            <a:off x="194553" y="369332"/>
+            <a:ext cx="8725711" cy="2237681"/>
+          </a:xfrm>
+          <a:prstGeom prst="rect">
+            <a:avLst/>
+          </a:prstGeom>
+        </p:spPr>
+      </p:pic>
+      <p:pic>
+        <p:nvPicPr>
+          <p:cNvPr id="7" name="Picture 6"/>
+          <p:cNvPicPr>
+            <a:picLocks noChangeAspect="1"/>
+          </p:cNvPicPr>
+          <p:nvPr/>
+        </p:nvPicPr>
+        <p:blipFill>
+          <a:blip r:embed="rId3"/>
+          <a:stretch>
+            <a:fillRect/>
+          </a:stretch>
+        </p:blipFill>
+        <p:spPr>
+          <a:xfrm>
+            <a:off x="194553" y="2607013"/>
+            <a:ext cx="8725711" cy="2422187"/>
+          </a:xfrm>
+          <a:prstGeom prst="rect">
+            <a:avLst/>
+          </a:prstGeom>
+        </p:spPr>
+      </p:pic>
+    </p:spTree>
+    <p:extLst>
+      <p:ext uri="{BB962C8B-B14F-4D97-AF65-F5344CB8AC3E}">
+        <p14:creationId xmlns:p14="http://schemas.microsoft.com/office/powerpoint/2010/main" val="421771924"/>
+      </p:ext>
+    </p:extLst>
+  </p:cSld>
+  <p:clrMapOvr>
+    <a:masterClrMapping/>
+  </p:clrMapOvr>
+</p:sld>
+</file>
+
 <file path=ppt/theme/theme1.xml><?xml version="1.0" encoding="utf-8"?>
-<a:theme xmlns:a="http://schemas.openxmlformats.org/drawingml/2006/main" xmlns:r="http://schemas.openxmlformats.org/officeDocument/2006/relationships">
+<a:theme xmlns:a="http://schemas.openxmlformats.org/drawingml/2006/main" name="Simple Light">
+  <a:themeElements>
+    <a:clrScheme name="Simple Light">
+      <a:dk1>
+        <a:srgbClr val="000000"/>
+      </a:dk1>
+      <a:lt1>
+        <a:srgbClr val="FFFFFF"/>
+      </a:lt1>
+      <a:dk2>
+        <a:srgbClr val="595959"/>
+      </a:dk2>
+      <a:lt2>
+        <a:srgbClr val="EEEEEE"/>
+      </a:lt2>
+      <a:accent1>
+        <a:srgbClr val="FFAB40"/>
+      </a:accent1>
+      <a:accent2>
+        <a:srgbClr val="212121"/>
+      </a:accent2>
+      <a:accent3>
+        <a:srgbClr val="78909C"/>
+      </a:accent3>
+      <a:accent4>
+        <a:srgbClr val="FFAB40"/>
+      </a:accent4>
+      <a:accent5>
+        <a:srgbClr val="0097A7"/>
+      </a:accent5>
+      <a:accent6>
+        <a:srgbClr val="EEFF41"/>
+      </a:accent6>
+      <a:hlink>
+        <a:srgbClr val="0097A7"/>
+      </a:hlink>
+      <a:folHlink>
+        <a:srgbClr val="0097A7"/>
+      </a:folHlink>
+    </a:clrScheme>
+    <a:fontScheme name="Office">
+      <a:majorFont>
+        <a:latin typeface="Arial"/>
+        <a:ea typeface=""/>
+        <a:cs typeface=""/>
+        <a:font script="Jpan" typeface="ＭＳ Ｐゴシック"/>
+        <a:font script="Hang" typeface="맑은 고딕"/>
+        <a:font script="Hans" typeface="宋体"/>
+        <a:font script="Hant" typeface="新細明體"/>
+        <a:font script="Arab" typeface="Times New Roman"/>
+        <a:font script="Hebr" typeface="Times New Roman"/>
+        <a:font script="Thai" typeface="Angsana New"/>
+        <a:font script="Ethi" typeface="Nyala"/>
+        <a:font script="Beng" typeface="Vrinda"/>
+        <a:font script="Gujr" typeface="Shruti"/>
+        <a:font script="Khmr" typeface="MoolBoran"/>
+        <a:font script="Knda" typeface="Tunga"/>
+        <a:font script="Guru" typeface="Raavi"/>
+        <a:font script="Cans" typeface="Euphemia"/>
+        <a:font script="Cher" typeface="Plantagenet Cherokee"/>
+        <a:font script="Yiii" typeface="Microsoft Yi Baiti"/>
+        <a:font script="Tibt" typeface="Microsoft Himalaya"/>
+        <a:font script="Thaa" typeface="MV Boli"/>
+        <a:font script="Deva" typeface="Mangal"/>
+        <a:font script="Telu" typeface="Gautami"/>
+        <a:font script="Taml" typeface="Latha"/>
+        <a:font script="Syrc" typeface="Estrangelo Edessa"/>
+        <a:font script="Orya" typeface="Kalinga"/>
+        <a:font script="Mlym" typeface="Kartika"/>
+        <a:font script="Laoo" typeface="DokChampa"/>
+        <a:font script="Sinh" typeface="Iskoola Pota"/>
+        <a:font script="Mong" typeface="Mongolian Baiti"/>
+        <a:font script="Viet" typeface="Times New Roman"/>
+        <a:font script="Uigh" typeface="Microsoft Uighur"/>
+        <a:font script="Geor" typeface="Sylfaen"/>
+      </a:majorFont>
+      <a:minorFont>
+        <a:latin typeface="Arial"/>
+        <a:ea typeface=""/>
+        <a:cs typeface=""/>
+        <a:font script="Jpan" typeface="ＭＳ Ｐゴシック"/>
+        <a:font script="Hang" typeface="맑은 고딕"/>
+        <a:font script="Hans" typeface="宋体"/>
+        <a:font script="Hant" typeface="新細明體"/>
+        <a:font script="Arab" typeface="Arial"/>
+        <a:font script="Hebr" typeface="Arial"/>
+        <a:font script="Thai" typeface="Cordia New"/>
+        <a:font script="Ethi" typeface="Nyala"/>
+        <a:font script="Beng" typeface="Vrinda"/>
+        <a:font script="Gujr" typeface="Shruti"/>
+        <a:font script="Khmr" typeface="DaunPenh"/>
+        <a:font script="Knda" typeface="Tunga"/>
+        <a:font script="Guru" typeface="Raavi"/>
+        <a:font script="Cans" typeface="Euphemia"/>
+        <a:font script="Cher" typeface="Plantagenet Cherokee"/>
+        <a:font script="Yiii" typeface="Microsoft Yi Baiti"/>
+        <a:font script="Tibt" typeface="Microsoft Himalaya"/>
+        <a:font script="Thaa" typeface="MV Boli"/>
+        <a:font script="Deva" typeface="Mangal"/>
+        <a:font script="Telu" typeface="Gautami"/>
+        <a:font script="Taml" typeface="Latha"/>
+        <a:font script="Syrc" typeface="Estrangelo Edessa"/>
+        <a:font script="Orya" typeface="Kalinga"/>
+        <a:font script="Mlym" typeface="Kartika"/>
+        <a:font script="Laoo" typeface="DokChampa"/>
+        <a:font script="Sinh" typeface="Iskoola Pota"/>
+        <a:font script="Mong" typeface="Mongolian Baiti"/>
+        <a:font script="Viet" typeface="Arial"/>
+        <a:font script="Uigh" typeface="Microsoft Uighur"/>
+        <a:font script="Geor" typeface="Sylfaen"/>
+      </a:minorFont>
+    </a:fontScheme>
+    <a:fmtScheme name="Office">
+      <a:fillStyleLst>
+        <a:solidFill>
+          <a:schemeClr val="phClr"/>
+        </a:solidFill>
+        <a:gradFill rotWithShape="1">
+          <a:gsLst>
+            <a:gs pos="0">
+              <a:schemeClr val="phClr">
+                <a:tint val="50000"/>
+                <a:satMod val="300000"/>
+              </a:schemeClr>
+            </a:gs>
+            <a:gs pos="35000">
+              <a:schemeClr val="phClr">
+                <a:tint val="37000"/>
+                <a:satMod val="300000"/>
+              </a:schemeClr>
+            </a:gs>
+            <a:gs pos="100000">
+              <a:schemeClr val="phClr">
+                <a:tint val="15000"/>
+                <a:satMod val="350000"/>
+              </a:schemeClr>
+            </a:gs>
+          </a:gsLst>
+          <a:lin ang="16200000" scaled="1"/>
+        </a:gradFill>
+        <a:gradFill rotWithShape="1">
+          <a:gsLst>
+            <a:gs pos="0">
+              <a:schemeClr val="phClr">
+                <a:tint val="100000"/>
+                <a:shade val="100000"/>
+                <a:satMod val="130000"/>
+              </a:schemeClr>
+            </a:gs>
+            <a:gs pos="100000">
+              <a:schemeClr val="phClr">
+                <a:tint val="50000"/>
+                <a:shade val="100000"/>
+                <a:satMod val="350000"/>
+              </a:schemeClr>
+            </a:gs>
+          </a:gsLst>
+          <a:lin ang="16200000" scaled="0"/>
+        </a:gradFill>
+      </a:fillStyleLst>
+      <a:lnStyleLst>
+        <a:ln w="9525" cap="flat" cmpd="sng" algn="ctr">
+          <a:solidFill>
+            <a:schemeClr val="phClr">
+              <a:shade val="95000"/>
+              <a:satMod val="105000"/>
+            </a:schemeClr>
+          </a:solidFill>
+          <a:prstDash val="solid"/>
+        </a:ln>
+        <a:ln w="25400" cap="flat" cmpd="sng" algn="ctr">
+          <a:solidFill>
+            <a:schemeClr val="phClr"/>
+          </a:solidFill>
+          <a:prstDash val="solid"/>
+        </a:ln>
+        <a:ln w="38100" cap="flat" cmpd="sng" algn="ctr">
+          <a:solidFill>
+            <a:schemeClr val="phClr"/>
+          </a:solidFill>
+          <a:prstDash val="solid"/>
+        </a:ln>
+      </a:lnStyleLst>
+      <a:effectStyleLst>
+        <a:effectStyle>
+          <a:effectLst>
+            <a:outerShdw blurRad="40000" dist="20000" dir="5400000" rotWithShape="0">
+              <a:srgbClr val="000000">
+                <a:alpha val="38000"/>
+              </a:srgbClr>
+            </a:outerShdw>
+          </a:effectLst>
+        </a:effectStyle>
+        <a:effectStyle>
+          <a:effectLst>
+            <a:outerShdw blurRad="40000" dist="23000" dir="5400000" rotWithShape="0">
+              <a:srgbClr val="000000">
+                <a:alpha val="35000"/>
+              </a:srgbClr>
+            </a:outerShdw>
+          </a:effectLst>
+        </a:effectStyle>
+        <a:effectStyle>
+          <a:effectLst>
+            <a:outerShdw blurRad="40000" dist="23000" dir="5400000" rotWithShape="0">
+              <a:srgbClr val="000000">
+                <a:alpha val="35000"/>
+              </a:srgbClr>
+            </a:outerShdw>
+          </a:effectLst>
+          <a:scene3d>
+            <a:camera prst="orthographicFront">
+              <a:rot lat="0" lon="0" rev="0"/>
+            </a:camera>
+            <a:lightRig rig="threePt" dir="t">
+              <a:rot lat="0" lon="0" rev="1200000"/>
+            </a:lightRig>
+          </a:scene3d>
+          <a:sp3d>
+            <a:bevelT w="63500" h="25400"/>
+          </a:sp3d>
+        </a:effectStyle>
+      </a:effectStyleLst>
+      <a:bgFillStyleLst>
+        <a:solidFill>
+          <a:schemeClr val="phClr"/>
+        </a:solidFill>
+        <a:gradFill rotWithShape="1">
+          <a:gsLst>
+            <a:gs pos="0">
+              <a:schemeClr val="phClr">
+                <a:tint val="40000"/>
+                <a:satMod val="350000"/>
+              </a:schemeClr>
+            </a:gs>
+            <a:gs pos="40000">
+              <a:schemeClr val="phClr">
+                <a:tint val="45000"/>
+                <a:shade val="99000"/>
+                <a:satMod val="350000"/>
+              </a:schemeClr>
+            </a:gs>
+            <a:gs pos="100000">
+              <a:schemeClr val="phClr">
+                <a:shade val="20000"/>
+                <a:satMod val="255000"/>
+              </a:schemeClr>
+            </a:gs>
+          </a:gsLst>
+          <a:path path="circle">
+            <a:fillToRect l="50000" t="-80000" r="50000" b="180000"/>
+          </a:path>
+        </a:gradFill>
+        <a:gradFill rotWithShape="1">
+          <a:gsLst>
+            <a:gs pos="0">
+              <a:schemeClr val="phClr">
+                <a:tint val="80000"/>
+                <a:satMod val="300000"/>
+              </a:schemeClr>
+            </a:gs>
+            <a:gs pos="100000">
+              <a:schemeClr val="phClr">
+                <a:shade val="30000"/>
+                <a:satMod val="200000"/>
+              </a:schemeClr>
+            </a:gs>
+          </a:gsLst>
+          <a:path path="circle">
+            <a:fillToRect l="50000" t="50000" r="50000" b="50000"/>
+          </a:path>
+        </a:gradFill>
+      </a:bgFillStyleLst>
+    </a:fmtScheme>
+  </a:themeElements>
+  <a:objectDefaults/>
+  <a:extraClrSchemeLst/>
+</a:theme>
+</file>
+
+<file path=ppt/theme/theme2.xml><?xml version="1.0" encoding="utf-8"?>
+<a:theme xmlns:a="http://schemas.openxmlformats.org/drawingml/2006/main">
   <a:themeElements>
     <a:clrScheme name="Default">
       <a:dk1>
@@ -6079,284 +7032,7 @@
       </a:bgFillStyleLst>
     </a:fmtScheme>
   </a:themeElements>
-</a:theme>
-</file>
-
-<file path=ppt/theme/theme2.xml><?xml version="1.0" encoding="utf-8"?>
-<a:theme xmlns:a="http://schemas.openxmlformats.org/drawingml/2006/main" xmlns:r="http://schemas.openxmlformats.org/officeDocument/2006/relationships" name="Simple Light">
-  <a:themeElements>
-    <a:clrScheme name="Simple Light">
-      <a:dk1>
-        <a:srgbClr val="000000"/>
-      </a:dk1>
-      <a:lt1>
-        <a:srgbClr val="FFFFFF"/>
-      </a:lt1>
-      <a:dk2>
-        <a:srgbClr val="595959"/>
-      </a:dk2>
-      <a:lt2>
-        <a:srgbClr val="EEEEEE"/>
-      </a:lt2>
-      <a:accent1>
-        <a:srgbClr val="FFAB40"/>
-      </a:accent1>
-      <a:accent2>
-        <a:srgbClr val="212121"/>
-      </a:accent2>
-      <a:accent3>
-        <a:srgbClr val="78909C"/>
-      </a:accent3>
-      <a:accent4>
-        <a:srgbClr val="FFAB40"/>
-      </a:accent4>
-      <a:accent5>
-        <a:srgbClr val="0097A7"/>
-      </a:accent5>
-      <a:accent6>
-        <a:srgbClr val="EEFF41"/>
-      </a:accent6>
-      <a:hlink>
-        <a:srgbClr val="0097A7"/>
-      </a:hlink>
-      <a:folHlink>
-        <a:srgbClr val="0097A7"/>
-      </a:folHlink>
-    </a:clrScheme>
-    <a:fontScheme name="Office">
-      <a:majorFont>
-        <a:latin typeface="Arial"/>
-        <a:ea typeface=""/>
-        <a:cs typeface=""/>
-        <a:font script="Jpan" typeface="ＭＳ Ｐゴシック"/>
-        <a:font script="Hang" typeface="맑은 고딕"/>
-        <a:font script="Hans" typeface="宋体"/>
-        <a:font script="Hant" typeface="新細明體"/>
-        <a:font script="Arab" typeface="Times New Roman"/>
-        <a:font script="Hebr" typeface="Times New Roman"/>
-        <a:font script="Thai" typeface="Angsana New"/>
-        <a:font script="Ethi" typeface="Nyala"/>
-        <a:font script="Beng" typeface="Vrinda"/>
-        <a:font script="Gujr" typeface="Shruti"/>
-        <a:font script="Khmr" typeface="MoolBoran"/>
-        <a:font script="Knda" typeface="Tunga"/>
-        <a:font script="Guru" typeface="Raavi"/>
-        <a:font script="Cans" typeface="Euphemia"/>
-        <a:font script="Cher" typeface="Plantagenet Cherokee"/>
-        <a:font script="Yiii" typeface="Microsoft Yi Baiti"/>
-        <a:font script="Tibt" typeface="Microsoft Himalaya"/>
-        <a:font script="Thaa" typeface="MV Boli"/>
-        <a:font script="Deva" typeface="Mangal"/>
-        <a:font script="Telu" typeface="Gautami"/>
-        <a:font script="Taml" typeface="Latha"/>
-        <a:font script="Syrc" typeface="Estrangelo Edessa"/>
-        <a:font script="Orya" typeface="Kalinga"/>
-        <a:font script="Mlym" typeface="Kartika"/>
-        <a:font script="Laoo" typeface="DokChampa"/>
-        <a:font script="Sinh" typeface="Iskoola Pota"/>
-        <a:font script="Mong" typeface="Mongolian Baiti"/>
-        <a:font script="Viet" typeface="Times New Roman"/>
-        <a:font script="Uigh" typeface="Microsoft Uighur"/>
-        <a:font script="Geor" typeface="Sylfaen"/>
-      </a:majorFont>
-      <a:minorFont>
-        <a:latin typeface="Arial"/>
-        <a:ea typeface=""/>
-        <a:cs typeface=""/>
-        <a:font script="Jpan" typeface="ＭＳ Ｐゴシック"/>
-        <a:font script="Hang" typeface="맑은 고딕"/>
-        <a:font script="Hans" typeface="宋体"/>
-        <a:font script="Hant" typeface="新細明體"/>
-        <a:font script="Arab" typeface="Arial"/>
-        <a:font script="Hebr" typeface="Arial"/>
-        <a:font script="Thai" typeface="Cordia New"/>
-        <a:font script="Ethi" typeface="Nyala"/>
-        <a:font script="Beng" typeface="Vrinda"/>
-        <a:font script="Gujr" typeface="Shruti"/>
-        <a:font script="Khmr" typeface="DaunPenh"/>
-        <a:font script="Knda" typeface="Tunga"/>
-        <a:font script="Guru" typeface="Raavi"/>
-        <a:font script="Cans" typeface="Euphemia"/>
-        <a:font script="Cher" typeface="Plantagenet Cherokee"/>
-        <a:font script="Yiii" typeface="Microsoft Yi Baiti"/>
-        <a:font script="Tibt" typeface="Microsoft Himalaya"/>
-        <a:font script="Thaa" typeface="MV Boli"/>
-        <a:font script="Deva" typeface="Mangal"/>
-        <a:font script="Telu" typeface="Gautami"/>
-        <a:font script="Taml" typeface="Latha"/>
-        <a:font script="Syrc" typeface="Estrangelo Edessa"/>
-        <a:font script="Orya" typeface="Kalinga"/>
-        <a:font script="Mlym" typeface="Kartika"/>
-        <a:font script="Laoo" typeface="DokChampa"/>
-        <a:font script="Sinh" typeface="Iskoola Pota"/>
-        <a:font script="Mong" typeface="Mongolian Baiti"/>
-        <a:font script="Viet" typeface="Arial"/>
-        <a:font script="Uigh" typeface="Microsoft Uighur"/>
-        <a:font script="Geor" typeface="Sylfaen"/>
-      </a:minorFont>
-    </a:fontScheme>
-    <a:fmtScheme name="Office">
-      <a:fillStyleLst>
-        <a:solidFill>
-          <a:schemeClr val="phClr"/>
-        </a:solidFill>
-        <a:gradFill rotWithShape="1">
-          <a:gsLst>
-            <a:gs pos="0">
-              <a:schemeClr val="phClr">
-                <a:tint val="50000"/>
-                <a:satMod val="300000"/>
-              </a:schemeClr>
-            </a:gs>
-            <a:gs pos="35000">
-              <a:schemeClr val="phClr">
-                <a:tint val="37000"/>
-                <a:satMod val="300000"/>
-              </a:schemeClr>
-            </a:gs>
-            <a:gs pos="100000">
-              <a:schemeClr val="phClr">
-                <a:tint val="15000"/>
-                <a:satMod val="350000"/>
-              </a:schemeClr>
-            </a:gs>
-          </a:gsLst>
-          <a:lin ang="16200000" scaled="1"/>
-        </a:gradFill>
-        <a:gradFill rotWithShape="1">
-          <a:gsLst>
-            <a:gs pos="0">
-              <a:schemeClr val="phClr">
-                <a:tint val="100000"/>
-                <a:shade val="100000"/>
-                <a:satMod val="130000"/>
-              </a:schemeClr>
-            </a:gs>
-            <a:gs pos="100000">
-              <a:schemeClr val="phClr">
-                <a:tint val="50000"/>
-                <a:shade val="100000"/>
-                <a:satMod val="350000"/>
-              </a:schemeClr>
-            </a:gs>
-          </a:gsLst>
-          <a:lin ang="16200000" scaled="0"/>
-        </a:gradFill>
-      </a:fillStyleLst>
-      <a:lnStyleLst>
-        <a:ln w="9525" cap="flat" cmpd="sng" algn="ctr">
-          <a:solidFill>
-            <a:schemeClr val="phClr">
-              <a:shade val="95000"/>
-              <a:satMod val="105000"/>
-            </a:schemeClr>
-          </a:solidFill>
-          <a:prstDash val="solid"/>
-        </a:ln>
-        <a:ln w="25400" cap="flat" cmpd="sng" algn="ctr">
-          <a:solidFill>
-            <a:schemeClr val="phClr"/>
-          </a:solidFill>
-          <a:prstDash val="solid"/>
-        </a:ln>
-        <a:ln w="38100" cap="flat" cmpd="sng" algn="ctr">
-          <a:solidFill>
-            <a:schemeClr val="phClr"/>
-          </a:solidFill>
-          <a:prstDash val="solid"/>
-        </a:ln>
-      </a:lnStyleLst>
-      <a:effectStyleLst>
-        <a:effectStyle>
-          <a:effectLst>
-            <a:outerShdw blurRad="40000" dist="20000" dir="5400000" rotWithShape="0">
-              <a:srgbClr val="000000">
-                <a:alpha val="38000"/>
-              </a:srgbClr>
-            </a:outerShdw>
-          </a:effectLst>
-        </a:effectStyle>
-        <a:effectStyle>
-          <a:effectLst>
-            <a:outerShdw blurRad="40000" dist="23000" dir="5400000" rotWithShape="0">
-              <a:srgbClr val="000000">
-                <a:alpha val="35000"/>
-              </a:srgbClr>
-            </a:outerShdw>
-          </a:effectLst>
-        </a:effectStyle>
-        <a:effectStyle>
-          <a:effectLst>
-            <a:outerShdw blurRad="40000" dist="23000" dir="5400000" rotWithShape="0">
-              <a:srgbClr val="000000">
-                <a:alpha val="35000"/>
-              </a:srgbClr>
-            </a:outerShdw>
-          </a:effectLst>
-          <a:scene3d>
-            <a:camera prst="orthographicFront">
-              <a:rot lat="0" lon="0" rev="0"/>
-            </a:camera>
-            <a:lightRig rig="threePt" dir="t">
-              <a:rot lat="0" lon="0" rev="1200000"/>
-            </a:lightRig>
-          </a:scene3d>
-          <a:sp3d>
-            <a:bevelT w="63500" h="25400"/>
-          </a:sp3d>
-        </a:effectStyle>
-      </a:effectStyleLst>
-      <a:bgFillStyleLst>
-        <a:solidFill>
-          <a:schemeClr val="phClr"/>
-        </a:solidFill>
-        <a:gradFill rotWithShape="1">
-          <a:gsLst>
-            <a:gs pos="0">
-              <a:schemeClr val="phClr">
-                <a:tint val="40000"/>
-                <a:satMod val="350000"/>
-              </a:schemeClr>
-            </a:gs>
-            <a:gs pos="40000">
-              <a:schemeClr val="phClr">
-                <a:tint val="45000"/>
-                <a:shade val="99000"/>
-                <a:satMod val="350000"/>
-              </a:schemeClr>
-            </a:gs>
-            <a:gs pos="100000">
-              <a:schemeClr val="phClr">
-                <a:shade val="20000"/>
-                <a:satMod val="255000"/>
-              </a:schemeClr>
-            </a:gs>
-          </a:gsLst>
-          <a:path path="circle">
-            <a:fillToRect l="50000" t="-80000" r="50000" b="180000"/>
-          </a:path>
-        </a:gradFill>
-        <a:gradFill rotWithShape="1">
-          <a:gsLst>
-            <a:gs pos="0">
-              <a:schemeClr val="phClr">
-                <a:tint val="80000"/>
-                <a:satMod val="300000"/>
-              </a:schemeClr>
-            </a:gs>
-            <a:gs pos="100000">
-              <a:schemeClr val="phClr">
-                <a:shade val="30000"/>
-                <a:satMod val="200000"/>
-              </a:schemeClr>
-            </a:gs>
-          </a:gsLst>
-          <a:path path="circle">
-            <a:fillToRect l="50000" t="50000" r="50000" b="50000"/>
-          </a:path>
-        </a:gradFill>
-      </a:bgFillStyleLst>
-    </a:fmtScheme>
-  </a:themeElements>
+  <a:objectDefaults/>
+  <a:extraClrSchemeLst/>
 </a:theme>
 </file>